--- a/Task_2/Module_2_Template_slide.pptx
+++ b/Task_2/Module_2_Template_slide.pptx
@@ -2,22 +2,22 @@
 <file path=ppt/presentation.xml><?xml version="1.0" encoding="utf-8"?>
 <p:presentation xmlns:a="http://schemas.openxmlformats.org/drawingml/2006/main" xmlns:r="http://schemas.openxmlformats.org/officeDocument/2006/relationships" xmlns:p="http://schemas.openxmlformats.org/presentationml/2006/main">
   <p:sldMasterIdLst>
-    <p:sldMasterId id="2147483648" r:id="rId5"/>
+    <p:sldMasterId id="2147483648" r:id="rId1"/>
   </p:sldMasterIdLst>
   <p:notesMasterIdLst>
-    <p:notesMasterId r:id="rId7"/>
+    <p:notesMasterId r:id="rId10"/>
   </p:notesMasterIdLst>
   <p:sldIdLst>
-    <p:sldId id="256" r:id="rId8"/>
-    <p:sldId id="257" r:id="rId9"/>
-    <p:sldId id="258" r:id="rId10"/>
-    <p:sldId id="259" r:id="rId11"/>
-    <p:sldId id="260" r:id="rId12"/>
-    <p:sldId id="261" r:id="rId13"/>
-    <p:sldId id="262" r:id="rId14"/>
-    <p:sldId id="263" r:id="rId15"/>
+    <p:sldId id="256" r:id="rId2"/>
+    <p:sldId id="257" r:id="rId3"/>
+    <p:sldId id="258" r:id="rId4"/>
+    <p:sldId id="259" r:id="rId5"/>
+    <p:sldId id="260" r:id="rId6"/>
+    <p:sldId id="261" r:id="rId7"/>
+    <p:sldId id="262" r:id="rId8"/>
+    <p:sldId id="263" r:id="rId9"/>
   </p:sldIdLst>
-  <p:sldSz cx="9144000" cy="5143500"/>
+  <p:sldSz cx="9144000" cy="5143500" type="screen16x9"/>
   <p:notesSz cx="6858000" cy="9144000"/>
   <p:defaultTextStyle>
     <a:defPPr marL="0" marR="0" indent="0" algn="l" defTabSz="914400" rtl="0" fontAlgn="auto" latinLnBrk="1" hangingPunct="0">
@@ -35,7 +35,7 @@
       <a:buFontTx/>
       <a:buNone/>
       <a:tabLst/>
-      <a:defRPr b="0" baseline="0" cap="none" i="0" spc="0" strike="noStrike" sz="1800" u="none" kumimoji="0" normalizeH="0">
+      <a:defRPr kumimoji="0" sz="1800" b="0" i="0" u="none" strike="noStrike" cap="none" spc="0" normalizeH="0" baseline="0">
         <a:ln>
           <a:noFill/>
         </a:ln>
@@ -61,7 +61,7 @@
       <a:buFontTx/>
       <a:buNone/>
       <a:tabLst/>
-      <a:defRPr b="0" baseline="0" cap="none" i="0" spc="0" strike="noStrike" sz="1400" u="none" kumimoji="0" normalizeH="0">
+      <a:defRPr kumimoji="0" sz="1400" b="0" i="0" u="none" strike="noStrike" cap="none" spc="0" normalizeH="0" baseline="0">
         <a:ln>
           <a:noFill/>
         </a:ln>
@@ -91,7 +91,7 @@
       <a:buFontTx/>
       <a:buNone/>
       <a:tabLst/>
-      <a:defRPr b="0" baseline="0" cap="none" i="0" spc="0" strike="noStrike" sz="1400" u="none" kumimoji="0" normalizeH="0">
+      <a:defRPr kumimoji="0" sz="1400" b="0" i="0" u="none" strike="noStrike" cap="none" spc="0" normalizeH="0" baseline="0">
         <a:ln>
           <a:noFill/>
         </a:ln>
@@ -121,7 +121,7 @@
       <a:buFontTx/>
       <a:buNone/>
       <a:tabLst/>
-      <a:defRPr b="0" baseline="0" cap="none" i="0" spc="0" strike="noStrike" sz="1400" u="none" kumimoji="0" normalizeH="0">
+      <a:defRPr kumimoji="0" sz="1400" b="0" i="0" u="none" strike="noStrike" cap="none" spc="0" normalizeH="0" baseline="0">
         <a:ln>
           <a:noFill/>
         </a:ln>
@@ -151,7 +151,7 @@
       <a:buFontTx/>
       <a:buNone/>
       <a:tabLst/>
-      <a:defRPr b="0" baseline="0" cap="none" i="0" spc="0" strike="noStrike" sz="1400" u="none" kumimoji="0" normalizeH="0">
+      <a:defRPr kumimoji="0" sz="1400" b="0" i="0" u="none" strike="noStrike" cap="none" spc="0" normalizeH="0" baseline="0">
         <a:ln>
           <a:noFill/>
         </a:ln>
@@ -181,7 +181,7 @@
       <a:buFontTx/>
       <a:buNone/>
       <a:tabLst/>
-      <a:defRPr b="0" baseline="0" cap="none" i="0" spc="0" strike="noStrike" sz="1400" u="none" kumimoji="0" normalizeH="0">
+      <a:defRPr kumimoji="0" sz="1400" b="0" i="0" u="none" strike="noStrike" cap="none" spc="0" normalizeH="0" baseline="0">
         <a:ln>
           <a:noFill/>
         </a:ln>
@@ -211,7 +211,7 @@
       <a:buFontTx/>
       <a:buNone/>
       <a:tabLst/>
-      <a:defRPr b="0" baseline="0" cap="none" i="0" spc="0" strike="noStrike" sz="1400" u="none" kumimoji="0" normalizeH="0">
+      <a:defRPr kumimoji="0" sz="1400" b="0" i="0" u="none" strike="noStrike" cap="none" spc="0" normalizeH="0" baseline="0">
         <a:ln>
           <a:noFill/>
         </a:ln>
@@ -241,7 +241,7 @@
       <a:buFontTx/>
       <a:buNone/>
       <a:tabLst/>
-      <a:defRPr b="0" baseline="0" cap="none" i="0" spc="0" strike="noStrike" sz="1400" u="none" kumimoji="0" normalizeH="0">
+      <a:defRPr kumimoji="0" sz="1400" b="0" i="0" u="none" strike="noStrike" cap="none" spc="0" normalizeH="0" baseline="0">
         <a:ln>
           <a:noFill/>
         </a:ln>
@@ -271,7 +271,7 @@
       <a:buFontTx/>
       <a:buNone/>
       <a:tabLst/>
-      <a:defRPr b="0" baseline="0" cap="none" i="0" spc="0" strike="noStrike" sz="1400" u="none" kumimoji="0" normalizeH="0">
+      <a:defRPr kumimoji="0" sz="1400" b="0" i="0" u="none" strike="noStrike" cap="none" spc="0" normalizeH="0" baseline="0">
         <a:ln>
           <a:noFill/>
         </a:ln>
@@ -301,7 +301,7 @@
       <a:buFontTx/>
       <a:buNone/>
       <a:tabLst/>
-      <a:defRPr b="0" baseline="0" cap="none" i="0" spc="0" strike="noStrike" sz="1400" u="none" kumimoji="0" normalizeH="0">
+      <a:defRPr kumimoji="0" sz="1400" b="0" i="0" u="none" strike="noStrike" cap="none" spc="0" normalizeH="0" baseline="0">
         <a:ln>
           <a:noFill/>
         </a:ln>
@@ -317,16 +317,176 @@
       </a:defRPr>
     </a:lvl9pPr>
   </p:defaultTextStyle>
+  <p:extLst>
+    <p:ext uri="{EFAFB233-063F-42B5-8137-9DF3F51BA10A}">
+      <p15:sldGuideLst xmlns:p15="http://schemas.microsoft.com/office/powerpoint/2012/main"/>
+    </p:ext>
+  </p:extLst>
 </p:presentation>
 </file>
 
-<file path=ppt/commentAuthors.xml><?xml version="1.0" encoding="utf-8"?>
-<p:cmAuthorLst xmlns:a="http://schemas.openxmlformats.org/drawingml/2006/main" xmlns:r="http://schemas.openxmlformats.org/officeDocument/2006/relationships" xmlns:p="http://schemas.openxmlformats.org/presentationml/2006/main"/>
+<file path=ppt/changesInfos/changesInfo1.xml><?xml version="1.0" encoding="utf-8"?>
+<pc:chgInfo xmlns:a="http://schemas.openxmlformats.org/drawingml/2006/main" xmlns:r="http://schemas.openxmlformats.org/officeDocument/2006/relationships" xmlns:ac="http://schemas.microsoft.com/office/drawing/2013/main/command" xmlns:pc="http://schemas.microsoft.com/office/powerpoint/2013/main/command">
+  <pc:docChgLst>
+    <pc:chgData name="Ifeanyi Michael" userId="450594f4ba82a152" providerId="LiveId" clId="{55BE2435-7201-42C6-B7B8-165DE878D894}"/>
+    <pc:docChg chg="custSel modSld">
+      <pc:chgData name="Ifeanyi Michael" userId="450594f4ba82a152" providerId="LiveId" clId="{55BE2435-7201-42C6-B7B8-165DE878D894}" dt="2023-05-22T12:58:27.474" v="1913" actId="478"/>
+      <pc:docMkLst>
+        <pc:docMk/>
+      </pc:docMkLst>
+      <pc:sldChg chg="delSp modSp mod">
+        <pc:chgData name="Ifeanyi Michael" userId="450594f4ba82a152" providerId="LiveId" clId="{55BE2435-7201-42C6-B7B8-165DE878D894}" dt="2023-05-22T12:58:07.690" v="1908" actId="478"/>
+        <pc:sldMkLst>
+          <pc:docMk/>
+          <pc:sldMk cId="0" sldId="258"/>
+        </pc:sldMkLst>
+        <pc:spChg chg="mod">
+          <ac:chgData name="Ifeanyi Michael" userId="450594f4ba82a152" providerId="LiveId" clId="{55BE2435-7201-42C6-B7B8-165DE878D894}" dt="2023-05-18T09:12:41.710" v="82" actId="20577"/>
+          <ac:spMkLst>
+            <pc:docMk/>
+            <pc:sldMk cId="0" sldId="258"/>
+            <ac:spMk id="123" creationId="{00000000-0000-0000-0000-000000000000}"/>
+          </ac:spMkLst>
+        </pc:spChg>
+        <pc:spChg chg="mod">
+          <ac:chgData name="Ifeanyi Michael" userId="450594f4ba82a152" providerId="LiveId" clId="{55BE2435-7201-42C6-B7B8-165DE878D894}" dt="2023-05-18T09:44:28.597" v="763" actId="1076"/>
+          <ac:spMkLst>
+            <pc:docMk/>
+            <pc:sldMk cId="0" sldId="258"/>
+            <ac:spMk id="124" creationId="{00000000-0000-0000-0000-000000000000}"/>
+          </ac:spMkLst>
+        </pc:spChg>
+        <pc:grpChg chg="del">
+          <ac:chgData name="Ifeanyi Michael" userId="450594f4ba82a152" providerId="LiveId" clId="{55BE2435-7201-42C6-B7B8-165DE878D894}" dt="2023-05-22T12:58:07.690" v="1908" actId="478"/>
+          <ac:grpSpMkLst>
+            <pc:docMk/>
+            <pc:sldMk cId="0" sldId="258"/>
+            <ac:grpSpMk id="127" creationId="{00000000-0000-0000-0000-000000000000}"/>
+          </ac:grpSpMkLst>
+        </pc:grpChg>
+      </pc:sldChg>
+      <pc:sldChg chg="delSp modSp mod">
+        <pc:chgData name="Ifeanyi Michael" userId="450594f4ba82a152" providerId="LiveId" clId="{55BE2435-7201-42C6-B7B8-165DE878D894}" dt="2023-05-22T12:58:11.399" v="1909" actId="478"/>
+        <pc:sldMkLst>
+          <pc:docMk/>
+          <pc:sldMk cId="0" sldId="259"/>
+        </pc:sldMkLst>
+        <pc:spChg chg="mod">
+          <ac:chgData name="Ifeanyi Michael" userId="450594f4ba82a152" providerId="LiveId" clId="{55BE2435-7201-42C6-B7B8-165DE878D894}" dt="2023-05-18T09:25:33.488" v="597" actId="6549"/>
+          <ac:spMkLst>
+            <pc:docMk/>
+            <pc:sldMk cId="0" sldId="259"/>
+            <ac:spMk id="132" creationId="{00000000-0000-0000-0000-000000000000}"/>
+          </ac:spMkLst>
+        </pc:spChg>
+        <pc:spChg chg="mod">
+          <ac:chgData name="Ifeanyi Michael" userId="450594f4ba82a152" providerId="LiveId" clId="{55BE2435-7201-42C6-B7B8-165DE878D894}" dt="2023-05-22T12:12:53.188" v="1330" actId="20577"/>
+          <ac:spMkLst>
+            <pc:docMk/>
+            <pc:sldMk cId="0" sldId="259"/>
+            <ac:spMk id="133" creationId="{00000000-0000-0000-0000-000000000000}"/>
+          </ac:spMkLst>
+        </pc:spChg>
+        <pc:grpChg chg="del">
+          <ac:chgData name="Ifeanyi Michael" userId="450594f4ba82a152" providerId="LiveId" clId="{55BE2435-7201-42C6-B7B8-165DE878D894}" dt="2023-05-22T12:58:11.399" v="1909" actId="478"/>
+          <ac:grpSpMkLst>
+            <pc:docMk/>
+            <pc:sldMk cId="0" sldId="259"/>
+            <ac:grpSpMk id="136" creationId="{00000000-0000-0000-0000-000000000000}"/>
+          </ac:grpSpMkLst>
+        </pc:grpChg>
+      </pc:sldChg>
+      <pc:sldChg chg="delSp modSp mod">
+        <pc:chgData name="Ifeanyi Michael" userId="450594f4ba82a152" providerId="LiveId" clId="{55BE2435-7201-42C6-B7B8-165DE878D894}" dt="2023-05-22T12:58:22.323" v="1911" actId="478"/>
+        <pc:sldMkLst>
+          <pc:docMk/>
+          <pc:sldMk cId="0" sldId="260"/>
+        </pc:sldMkLst>
+        <pc:spChg chg="mod">
+          <ac:chgData name="Ifeanyi Michael" userId="450594f4ba82a152" providerId="LiveId" clId="{55BE2435-7201-42C6-B7B8-165DE878D894}" dt="2023-05-18T09:28:41.476" v="761" actId="20577"/>
+          <ac:spMkLst>
+            <pc:docMk/>
+            <pc:sldMk cId="0" sldId="260"/>
+            <ac:spMk id="141" creationId="{00000000-0000-0000-0000-000000000000}"/>
+          </ac:spMkLst>
+        </pc:spChg>
+        <pc:spChg chg="mod">
+          <ac:chgData name="Ifeanyi Michael" userId="450594f4ba82a152" providerId="LiveId" clId="{55BE2435-7201-42C6-B7B8-165DE878D894}" dt="2023-05-22T12:46:30.558" v="1907" actId="20577"/>
+          <ac:spMkLst>
+            <pc:docMk/>
+            <pc:sldMk cId="0" sldId="260"/>
+            <ac:spMk id="142" creationId="{00000000-0000-0000-0000-000000000000}"/>
+          </ac:spMkLst>
+        </pc:spChg>
+        <pc:spChg chg="del topLvl">
+          <ac:chgData name="Ifeanyi Michael" userId="450594f4ba82a152" providerId="LiveId" clId="{55BE2435-7201-42C6-B7B8-165DE878D894}" dt="2023-05-22T12:58:18.768" v="1910" actId="478"/>
+          <ac:spMkLst>
+            <pc:docMk/>
+            <pc:sldMk cId="0" sldId="260"/>
+            <ac:spMk id="143" creationId="{00000000-0000-0000-0000-000000000000}"/>
+          </ac:spMkLst>
+        </pc:spChg>
+        <pc:spChg chg="del topLvl">
+          <ac:chgData name="Ifeanyi Michael" userId="450594f4ba82a152" providerId="LiveId" clId="{55BE2435-7201-42C6-B7B8-165DE878D894}" dt="2023-05-22T12:58:22.323" v="1911" actId="478"/>
+          <ac:spMkLst>
+            <pc:docMk/>
+            <pc:sldMk cId="0" sldId="260"/>
+            <ac:spMk id="144" creationId="{00000000-0000-0000-0000-000000000000}"/>
+          </ac:spMkLst>
+        </pc:spChg>
+        <pc:grpChg chg="del">
+          <ac:chgData name="Ifeanyi Michael" userId="450594f4ba82a152" providerId="LiveId" clId="{55BE2435-7201-42C6-B7B8-165DE878D894}" dt="2023-05-22T12:58:18.768" v="1910" actId="478"/>
+          <ac:grpSpMkLst>
+            <pc:docMk/>
+            <pc:sldMk cId="0" sldId="260"/>
+            <ac:grpSpMk id="145" creationId="{00000000-0000-0000-0000-000000000000}"/>
+          </ac:grpSpMkLst>
+        </pc:grpChg>
+      </pc:sldChg>
+      <pc:sldChg chg="delSp modSp mod">
+        <pc:chgData name="Ifeanyi Michael" userId="450594f4ba82a152" providerId="LiveId" clId="{55BE2435-7201-42C6-B7B8-165DE878D894}" dt="2023-05-22T12:58:27.474" v="1913" actId="478"/>
+        <pc:sldMkLst>
+          <pc:docMk/>
+          <pc:sldMk cId="0" sldId="261"/>
+        </pc:sldMkLst>
+        <pc:spChg chg="mod">
+          <ac:chgData name="Ifeanyi Michael" userId="450594f4ba82a152" providerId="LiveId" clId="{55BE2435-7201-42C6-B7B8-165DE878D894}" dt="2023-05-18T09:28:09.417" v="745" actId="20577"/>
+          <ac:spMkLst>
+            <pc:docMk/>
+            <pc:sldMk cId="0" sldId="261"/>
+            <ac:spMk id="150" creationId="{00000000-0000-0000-0000-000000000000}"/>
+          </ac:spMkLst>
+        </pc:spChg>
+        <pc:spChg chg="mod">
+          <ac:chgData name="Ifeanyi Michael" userId="450594f4ba82a152" providerId="LiveId" clId="{55BE2435-7201-42C6-B7B8-165DE878D894}" dt="2023-05-22T12:36:49.916" v="1835" actId="20577"/>
+          <ac:spMkLst>
+            <pc:docMk/>
+            <pc:sldMk cId="0" sldId="261"/>
+            <ac:spMk id="151" creationId="{00000000-0000-0000-0000-000000000000}"/>
+          </ac:spMkLst>
+        </pc:spChg>
+        <pc:grpChg chg="del mod">
+          <ac:chgData name="Ifeanyi Michael" userId="450594f4ba82a152" providerId="LiveId" clId="{55BE2435-7201-42C6-B7B8-165DE878D894}" dt="2023-05-22T12:58:27.474" v="1913" actId="478"/>
+          <ac:grpSpMkLst>
+            <pc:docMk/>
+            <pc:sldMk cId="0" sldId="261"/>
+            <ac:grpSpMk id="154" creationId="{00000000-0000-0000-0000-000000000000}"/>
+          </ac:grpSpMkLst>
+        </pc:grpChg>
+      </pc:sldChg>
+    </pc:docChg>
+  </pc:docChgLst>
+</pc:chgInfo>
 </file>
 
 <file path=ppt/notesMasters/notesMaster1.xml><?xml version="1.0" encoding="utf-8"?>
 <p:notesMaster xmlns:a="http://schemas.openxmlformats.org/drawingml/2006/main" xmlns:r="http://schemas.openxmlformats.org/officeDocument/2006/relationships" xmlns:p="http://schemas.openxmlformats.org/presentationml/2006/main">
   <p:cSld>
+    <p:bg>
+      <p:bgRef idx="1001">
+        <a:schemeClr val="bg1"/>
+      </p:bgRef>
+    </p:bg>
     <p:spTree>
       <p:nvGrpSpPr>
         <p:cNvPr id="1" name=""/>
@@ -344,7 +504,9 @@
       <p:sp>
         <p:nvSpPr>
           <p:cNvPr id="106" name="Shape 106"/>
-          <p:cNvSpPr/>
+          <p:cNvSpPr>
+            <a:spLocks noGrp="1" noRot="1" noChangeAspect="1"/>
+          </p:cNvSpPr>
           <p:nvPr>
             <p:ph type="sldImg"/>
           </p:nvPr>
@@ -362,14 +524,16 @@
           <a:bodyPr/>
           <a:lstStyle/>
           <a:p>
-            <a:pPr/>
+            <a:endParaRPr/>
           </a:p>
         </p:txBody>
       </p:sp>
       <p:sp>
         <p:nvSpPr>
           <p:cNvPr id="107" name="Shape 107"/>
-          <p:cNvSpPr/>
+          <p:cNvSpPr>
+            <a:spLocks noGrp="1"/>
+          </p:cNvSpPr>
           <p:nvPr>
             <p:ph type="body" sz="quarter" idx="1"/>
           </p:nvPr>
@@ -387,7 +551,7 @@
           <a:bodyPr/>
           <a:lstStyle/>
           <a:p>
-            <a:pPr/>
+            <a:endParaRPr/>
           </a:p>
         </p:txBody>
       </p:sp>
@@ -472,7 +636,7 @@
 </file>
 
 <file path=ppt/slideLayouts/slideLayout1.xml><?xml version="1.0" encoding="utf-8"?>
-<p:sldLayout xmlns:a="http://schemas.openxmlformats.org/drawingml/2006/main" xmlns:r="http://schemas.openxmlformats.org/officeDocument/2006/relationships" xmlns:p="http://schemas.openxmlformats.org/presentationml/2006/main" type="title" showMasterSp="1" showMasterPhAnim="1">
+<p:sldLayout xmlns:a="http://schemas.openxmlformats.org/drawingml/2006/main" xmlns:r="http://schemas.openxmlformats.org/officeDocument/2006/relationships" xmlns:p="http://schemas.openxmlformats.org/presentationml/2006/main" type="title">
   <p:cSld name="TITLE">
     <p:spTree>
       <p:nvGrpSpPr>
@@ -491,7 +655,9 @@
       <p:sp>
         <p:nvSpPr>
           <p:cNvPr id="11" name="Title Text"/>
-          <p:cNvSpPr/>
+          <p:cNvSpPr>
+            <a:spLocks noGrp="1"/>
+          </p:cNvSpPr>
           <p:nvPr>
             <p:ph type="title"/>
           </p:nvPr>
@@ -513,7 +679,6 @@
             </a:lvl1pPr>
           </a:lstStyle>
           <a:p>
-            <a:pPr/>
             <a:r>
               <a:t>Title Text</a:t>
             </a:r>
@@ -523,7 +688,9 @@
       <p:sp>
         <p:nvSpPr>
           <p:cNvPr id="12" name="Body Level One…"/>
-          <p:cNvSpPr/>
+          <p:cNvSpPr>
+            <a:spLocks noGrp="1"/>
+          </p:cNvSpPr>
           <p:nvPr>
             <p:ph type="body" sz="quarter" idx="1"/>
           </p:nvPr>
@@ -592,7 +759,6 @@
             </a:lvl5pPr>
           </a:lstStyle>
           <a:p>
-            <a:pPr/>
             <a:r>
               <a:t>Body Level One</a:t>
             </a:r>
@@ -626,7 +792,9 @@
       <p:sp>
         <p:nvSpPr>
           <p:cNvPr id="13" name="Slide Number"/>
-          <p:cNvSpPr/>
+          <p:cNvSpPr>
+            <a:spLocks noGrp="1"/>
+          </p:cNvSpPr>
           <p:nvPr>
             <p:ph type="sldNum" sz="quarter" idx="2"/>
           </p:nvPr>
@@ -640,8 +808,10 @@
           <a:bodyPr/>
           <a:lstStyle/>
           <a:p>
-            <a:pPr/>
-            <a:fld id="{86CB4B4D-7CA3-9044-876B-883B54F8677D}" type="slidenum"/>
+            <a:fld id="{86CB4B4D-7CA3-9044-876B-883B54F8677D}" type="slidenum">
+              <a:t>‹#›</a:t>
+            </a:fld>
+            <a:endParaRPr/>
           </a:p>
         </p:txBody>
       </p:sp>
@@ -650,12 +820,12 @@
   <p:clrMapOvr>
     <a:masterClrMapping/>
   </p:clrMapOvr>
-  <p:transition xmlns:p14="http://schemas.microsoft.com/office/powerpoint/2010/main" spd="med" advClick="1"/>
+  <p:transition spd="med"/>
 </p:sldLayout>
 </file>
 
 <file path=ppt/slideLayouts/slideLayout10.xml><?xml version="1.0" encoding="utf-8"?>
-<p:sldLayout xmlns:a="http://schemas.openxmlformats.org/drawingml/2006/main" xmlns:r="http://schemas.openxmlformats.org/officeDocument/2006/relationships" xmlns:p="http://schemas.openxmlformats.org/presentationml/2006/main" type="tx" showMasterSp="1" showMasterPhAnim="1">
+<p:sldLayout xmlns:a="http://schemas.openxmlformats.org/drawingml/2006/main" xmlns:r="http://schemas.openxmlformats.org/officeDocument/2006/relationships" xmlns:p="http://schemas.openxmlformats.org/presentationml/2006/main" type="tx">
   <p:cSld name="BIG_NUMBER">
     <p:spTree>
       <p:nvGrpSpPr>
@@ -674,7 +844,9 @@
       <p:sp>
         <p:nvSpPr>
           <p:cNvPr id="91" name="Title Text"/>
-          <p:cNvSpPr/>
+          <p:cNvSpPr>
+            <a:spLocks noGrp="1"/>
+          </p:cNvSpPr>
           <p:nvPr>
             <p:ph type="title"/>
           </p:nvPr>
@@ -696,7 +868,6 @@
             </a:lvl1pPr>
           </a:lstStyle>
           <a:p>
-            <a:pPr/>
             <a:r>
               <a:t>Title Text</a:t>
             </a:r>
@@ -706,7 +877,9 @@
       <p:sp>
         <p:nvSpPr>
           <p:cNvPr id="92" name="Body Level One…"/>
-          <p:cNvSpPr/>
+          <p:cNvSpPr>
+            <a:spLocks noGrp="1"/>
+          </p:cNvSpPr>
           <p:nvPr>
             <p:ph type="body" sz="half" idx="1"/>
           </p:nvPr>
@@ -730,7 +903,6 @@
             <a:lvl5pPr algn="ctr"/>
           </a:lstStyle>
           <a:p>
-            <a:pPr/>
             <a:r>
               <a:t>Body Level One</a:t>
             </a:r>
@@ -764,7 +936,9 @@
       <p:sp>
         <p:nvSpPr>
           <p:cNvPr id="93" name="Slide Number"/>
-          <p:cNvSpPr/>
+          <p:cNvSpPr>
+            <a:spLocks noGrp="1"/>
+          </p:cNvSpPr>
           <p:nvPr>
             <p:ph type="sldNum" sz="quarter" idx="2"/>
           </p:nvPr>
@@ -778,8 +952,10 @@
           <a:bodyPr/>
           <a:lstStyle/>
           <a:p>
-            <a:pPr/>
-            <a:fld id="{86CB4B4D-7CA3-9044-876B-883B54F8677D}" type="slidenum"/>
+            <a:fld id="{86CB4B4D-7CA3-9044-876B-883B54F8677D}" type="slidenum">
+              <a:t>‹#›</a:t>
+            </a:fld>
+            <a:endParaRPr/>
           </a:p>
         </p:txBody>
       </p:sp>
@@ -788,12 +964,12 @@
   <p:clrMapOvr>
     <a:masterClrMapping/>
   </p:clrMapOvr>
-  <p:transition xmlns:p14="http://schemas.microsoft.com/office/powerpoint/2010/main" spd="med" advClick="1"/>
+  <p:transition spd="med"/>
 </p:sldLayout>
 </file>
 
 <file path=ppt/slideLayouts/slideLayout11.xml><?xml version="1.0" encoding="utf-8"?>
-<p:sldLayout xmlns:a="http://schemas.openxmlformats.org/drawingml/2006/main" xmlns:r="http://schemas.openxmlformats.org/officeDocument/2006/relationships" xmlns:p="http://schemas.openxmlformats.org/presentationml/2006/main" type="tx" showMasterSp="1" showMasterPhAnim="1">
+<p:sldLayout xmlns:a="http://schemas.openxmlformats.org/drawingml/2006/main" xmlns:r="http://schemas.openxmlformats.org/officeDocument/2006/relationships" xmlns:p="http://schemas.openxmlformats.org/presentationml/2006/main" type="tx">
   <p:cSld name="BLANK">
     <p:spTree>
       <p:nvGrpSpPr>
@@ -812,7 +988,9 @@
       <p:sp>
         <p:nvSpPr>
           <p:cNvPr id="100" name="Slide Number"/>
-          <p:cNvSpPr/>
+          <p:cNvSpPr>
+            <a:spLocks noGrp="1"/>
+          </p:cNvSpPr>
           <p:nvPr>
             <p:ph type="sldNum" sz="quarter" idx="2"/>
           </p:nvPr>
@@ -826,8 +1004,10 @@
           <a:bodyPr/>
           <a:lstStyle/>
           <a:p>
-            <a:pPr/>
-            <a:fld id="{86CB4B4D-7CA3-9044-876B-883B54F8677D}" type="slidenum"/>
+            <a:fld id="{86CB4B4D-7CA3-9044-876B-883B54F8677D}" type="slidenum">
+              <a:t>‹#›</a:t>
+            </a:fld>
+            <a:endParaRPr/>
           </a:p>
         </p:txBody>
       </p:sp>
@@ -836,12 +1016,12 @@
   <p:clrMapOvr>
     <a:masterClrMapping/>
   </p:clrMapOvr>
-  <p:transition xmlns:p14="http://schemas.microsoft.com/office/powerpoint/2010/main" spd="med" advClick="1"/>
+  <p:transition spd="med"/>
 </p:sldLayout>
 </file>
 
 <file path=ppt/slideLayouts/slideLayout2.xml><?xml version="1.0" encoding="utf-8"?>
-<p:sldLayout xmlns:a="http://schemas.openxmlformats.org/drawingml/2006/main" xmlns:r="http://schemas.openxmlformats.org/officeDocument/2006/relationships" xmlns:p="http://schemas.openxmlformats.org/presentationml/2006/main" type="tx" showMasterSp="1" showMasterPhAnim="1">
+<p:sldLayout xmlns:a="http://schemas.openxmlformats.org/drawingml/2006/main" xmlns:r="http://schemas.openxmlformats.org/officeDocument/2006/relationships" xmlns:p="http://schemas.openxmlformats.org/presentationml/2006/main" type="tx">
   <p:cSld name="SECTION_HEADER">
     <p:spTree>
       <p:nvGrpSpPr>
@@ -860,7 +1040,9 @@
       <p:sp>
         <p:nvSpPr>
           <p:cNvPr id="20" name="Title Text"/>
-          <p:cNvSpPr/>
+          <p:cNvSpPr>
+            <a:spLocks noGrp="1"/>
+          </p:cNvSpPr>
           <p:nvPr>
             <p:ph type="title"/>
           </p:nvPr>
@@ -882,7 +1064,6 @@
             </a:lvl1pPr>
           </a:lstStyle>
           <a:p>
-            <a:pPr/>
             <a:r>
               <a:t>Title Text</a:t>
             </a:r>
@@ -892,7 +1073,9 @@
       <p:sp>
         <p:nvSpPr>
           <p:cNvPr id="21" name="Slide Number"/>
-          <p:cNvSpPr/>
+          <p:cNvSpPr>
+            <a:spLocks noGrp="1"/>
+          </p:cNvSpPr>
           <p:nvPr>
             <p:ph type="sldNum" sz="quarter" idx="2"/>
           </p:nvPr>
@@ -906,8 +1089,10 @@
           <a:bodyPr/>
           <a:lstStyle/>
           <a:p>
-            <a:pPr/>
-            <a:fld id="{86CB4B4D-7CA3-9044-876B-883B54F8677D}" type="slidenum"/>
+            <a:fld id="{86CB4B4D-7CA3-9044-876B-883B54F8677D}" type="slidenum">
+              <a:t>‹#›</a:t>
+            </a:fld>
+            <a:endParaRPr/>
           </a:p>
         </p:txBody>
       </p:sp>
@@ -916,12 +1101,12 @@
   <p:clrMapOvr>
     <a:masterClrMapping/>
   </p:clrMapOvr>
-  <p:transition xmlns:p14="http://schemas.microsoft.com/office/powerpoint/2010/main" spd="med" advClick="1"/>
+  <p:transition spd="med"/>
 </p:sldLayout>
 </file>
 
 <file path=ppt/slideLayouts/slideLayout3.xml><?xml version="1.0" encoding="utf-8"?>
-<p:sldLayout xmlns:a="http://schemas.openxmlformats.org/drawingml/2006/main" xmlns:r="http://schemas.openxmlformats.org/officeDocument/2006/relationships" xmlns:p="http://schemas.openxmlformats.org/presentationml/2006/main" type="tx" showMasterSp="1" showMasterPhAnim="1">
+<p:sldLayout xmlns:a="http://schemas.openxmlformats.org/drawingml/2006/main" xmlns:r="http://schemas.openxmlformats.org/officeDocument/2006/relationships" xmlns:p="http://schemas.openxmlformats.org/presentationml/2006/main" type="tx">
   <p:cSld name="TITLE_AND_BODY">
     <p:spTree>
       <p:nvGrpSpPr>
@@ -940,7 +1125,9 @@
       <p:sp>
         <p:nvSpPr>
           <p:cNvPr id="28" name="Title Text"/>
-          <p:cNvSpPr/>
+          <p:cNvSpPr>
+            <a:spLocks noGrp="1"/>
+          </p:cNvSpPr>
           <p:nvPr>
             <p:ph type="title"/>
           </p:nvPr>
@@ -954,7 +1141,6 @@
           <a:bodyPr/>
           <a:lstStyle/>
           <a:p>
-            <a:pPr/>
             <a:r>
               <a:t>Title Text</a:t>
             </a:r>
@@ -964,7 +1150,9 @@
       <p:sp>
         <p:nvSpPr>
           <p:cNvPr id="29" name="Body Level One…"/>
-          <p:cNvSpPr/>
+          <p:cNvSpPr>
+            <a:spLocks noGrp="1"/>
+          </p:cNvSpPr>
           <p:nvPr>
             <p:ph type="body" idx="1"/>
           </p:nvPr>
@@ -978,7 +1166,6 @@
           <a:bodyPr/>
           <a:lstStyle/>
           <a:p>
-            <a:pPr/>
             <a:r>
               <a:t>Body Level One</a:t>
             </a:r>
@@ -1012,7 +1199,9 @@
       <p:sp>
         <p:nvSpPr>
           <p:cNvPr id="30" name="Slide Number"/>
-          <p:cNvSpPr/>
+          <p:cNvSpPr>
+            <a:spLocks noGrp="1"/>
+          </p:cNvSpPr>
           <p:nvPr>
             <p:ph type="sldNum" sz="quarter" idx="2"/>
           </p:nvPr>
@@ -1026,8 +1215,10 @@
           <a:bodyPr/>
           <a:lstStyle/>
           <a:p>
-            <a:pPr/>
-            <a:fld id="{86CB4B4D-7CA3-9044-876B-883B54F8677D}" type="slidenum"/>
+            <a:fld id="{86CB4B4D-7CA3-9044-876B-883B54F8677D}" type="slidenum">
+              <a:t>‹#›</a:t>
+            </a:fld>
+            <a:endParaRPr/>
           </a:p>
         </p:txBody>
       </p:sp>
@@ -1036,12 +1227,12 @@
   <p:clrMapOvr>
     <a:masterClrMapping/>
   </p:clrMapOvr>
-  <p:transition xmlns:p14="http://schemas.microsoft.com/office/powerpoint/2010/main" spd="med" advClick="1"/>
+  <p:transition spd="med"/>
 </p:sldLayout>
 </file>
 
 <file path=ppt/slideLayouts/slideLayout4.xml><?xml version="1.0" encoding="utf-8"?>
-<p:sldLayout xmlns:a="http://schemas.openxmlformats.org/drawingml/2006/main" xmlns:r="http://schemas.openxmlformats.org/officeDocument/2006/relationships" xmlns:p="http://schemas.openxmlformats.org/presentationml/2006/main" type="tx" showMasterSp="1" showMasterPhAnim="1">
+<p:sldLayout xmlns:a="http://schemas.openxmlformats.org/drawingml/2006/main" xmlns:r="http://schemas.openxmlformats.org/officeDocument/2006/relationships" xmlns:p="http://schemas.openxmlformats.org/presentationml/2006/main" type="tx">
   <p:cSld name="TITLE_AND_TWO_COLUMNS">
     <p:spTree>
       <p:nvGrpSpPr>
@@ -1060,7 +1251,9 @@
       <p:sp>
         <p:nvSpPr>
           <p:cNvPr id="37" name="Title Text"/>
-          <p:cNvSpPr/>
+          <p:cNvSpPr>
+            <a:spLocks noGrp="1"/>
+          </p:cNvSpPr>
           <p:nvPr>
             <p:ph type="title"/>
           </p:nvPr>
@@ -1074,7 +1267,6 @@
           <a:bodyPr/>
           <a:lstStyle/>
           <a:p>
-            <a:pPr/>
             <a:r>
               <a:t>Title Text</a:t>
             </a:r>
@@ -1084,7 +1276,9 @@
       <p:sp>
         <p:nvSpPr>
           <p:cNvPr id="38" name="Body Level One…"/>
-          <p:cNvSpPr/>
+          <p:cNvSpPr>
+            <a:spLocks noGrp="1"/>
+          </p:cNvSpPr>
           <p:nvPr>
             <p:ph type="body" sz="half" idx="1"/>
           </p:nvPr>
@@ -1123,7 +1317,6 @@
             </a:lvl5pPr>
           </a:lstStyle>
           <a:p>
-            <a:pPr/>
             <a:r>
               <a:t>Body Level One</a:t>
             </a:r>
@@ -1157,7 +1350,9 @@
       <p:sp>
         <p:nvSpPr>
           <p:cNvPr id="39" name="Shape 23"/>
-          <p:cNvSpPr/>
+          <p:cNvSpPr>
+            <a:spLocks noGrp="1"/>
+          </p:cNvSpPr>
           <p:nvPr>
             <p:ph type="body" sz="half" idx="13"/>
           </p:nvPr>
@@ -1179,13 +1374,16 @@
               <a:buSzPts val="1400"/>
               <a:defRPr sz="1400"/>
             </a:pPr>
+            <a:endParaRPr/>
           </a:p>
         </p:txBody>
       </p:sp>
       <p:sp>
         <p:nvSpPr>
           <p:cNvPr id="40" name="Slide Number"/>
-          <p:cNvSpPr/>
+          <p:cNvSpPr>
+            <a:spLocks noGrp="1"/>
+          </p:cNvSpPr>
           <p:nvPr>
             <p:ph type="sldNum" sz="quarter" idx="2"/>
           </p:nvPr>
@@ -1199,8 +1397,10 @@
           <a:bodyPr/>
           <a:lstStyle/>
           <a:p>
-            <a:pPr/>
-            <a:fld id="{86CB4B4D-7CA3-9044-876B-883B54F8677D}" type="slidenum"/>
+            <a:fld id="{86CB4B4D-7CA3-9044-876B-883B54F8677D}" type="slidenum">
+              <a:t>‹#›</a:t>
+            </a:fld>
+            <a:endParaRPr/>
           </a:p>
         </p:txBody>
       </p:sp>
@@ -1209,12 +1409,12 @@
   <p:clrMapOvr>
     <a:masterClrMapping/>
   </p:clrMapOvr>
-  <p:transition xmlns:p14="http://schemas.microsoft.com/office/powerpoint/2010/main" spd="med" advClick="1"/>
+  <p:transition spd="med"/>
 </p:sldLayout>
 </file>
 
 <file path=ppt/slideLayouts/slideLayout5.xml><?xml version="1.0" encoding="utf-8"?>
-<p:sldLayout xmlns:a="http://schemas.openxmlformats.org/drawingml/2006/main" xmlns:r="http://schemas.openxmlformats.org/officeDocument/2006/relationships" xmlns:p="http://schemas.openxmlformats.org/presentationml/2006/main" type="tx" showMasterSp="1" showMasterPhAnim="1">
+<p:sldLayout xmlns:a="http://schemas.openxmlformats.org/drawingml/2006/main" xmlns:r="http://schemas.openxmlformats.org/officeDocument/2006/relationships" xmlns:p="http://schemas.openxmlformats.org/presentationml/2006/main" type="tx">
   <p:cSld name="TITLE_ONLY">
     <p:spTree>
       <p:nvGrpSpPr>
@@ -1233,7 +1433,9 @@
       <p:sp>
         <p:nvSpPr>
           <p:cNvPr id="47" name="Title Text"/>
-          <p:cNvSpPr/>
+          <p:cNvSpPr>
+            <a:spLocks noGrp="1"/>
+          </p:cNvSpPr>
           <p:nvPr>
             <p:ph type="title"/>
           </p:nvPr>
@@ -1247,7 +1449,6 @@
           <a:bodyPr/>
           <a:lstStyle/>
           <a:p>
-            <a:pPr/>
             <a:r>
               <a:t>Title Text</a:t>
             </a:r>
@@ -1257,7 +1458,9 @@
       <p:sp>
         <p:nvSpPr>
           <p:cNvPr id="48" name="Slide Number"/>
-          <p:cNvSpPr/>
+          <p:cNvSpPr>
+            <a:spLocks noGrp="1"/>
+          </p:cNvSpPr>
           <p:nvPr>
             <p:ph type="sldNum" sz="quarter" idx="2"/>
           </p:nvPr>
@@ -1271,8 +1474,10 @@
           <a:bodyPr/>
           <a:lstStyle/>
           <a:p>
-            <a:pPr/>
-            <a:fld id="{86CB4B4D-7CA3-9044-876B-883B54F8677D}" type="slidenum"/>
+            <a:fld id="{86CB4B4D-7CA3-9044-876B-883B54F8677D}" type="slidenum">
+              <a:t>‹#›</a:t>
+            </a:fld>
+            <a:endParaRPr/>
           </a:p>
         </p:txBody>
       </p:sp>
@@ -1281,12 +1486,12 @@
   <p:clrMapOvr>
     <a:masterClrMapping/>
   </p:clrMapOvr>
-  <p:transition xmlns:p14="http://schemas.microsoft.com/office/powerpoint/2010/main" spd="med" advClick="1"/>
+  <p:transition spd="med"/>
 </p:sldLayout>
 </file>
 
 <file path=ppt/slideLayouts/slideLayout6.xml><?xml version="1.0" encoding="utf-8"?>
-<p:sldLayout xmlns:a="http://schemas.openxmlformats.org/drawingml/2006/main" xmlns:r="http://schemas.openxmlformats.org/officeDocument/2006/relationships" xmlns:p="http://schemas.openxmlformats.org/presentationml/2006/main" type="tx" showMasterSp="1" showMasterPhAnim="1">
+<p:sldLayout xmlns:a="http://schemas.openxmlformats.org/drawingml/2006/main" xmlns:r="http://schemas.openxmlformats.org/officeDocument/2006/relationships" xmlns:p="http://schemas.openxmlformats.org/presentationml/2006/main" type="tx">
   <p:cSld name="ONE_COLUMN_TEXT">
     <p:spTree>
       <p:nvGrpSpPr>
@@ -1305,7 +1510,9 @@
       <p:sp>
         <p:nvSpPr>
           <p:cNvPr id="55" name="Title Text"/>
-          <p:cNvSpPr/>
+          <p:cNvSpPr>
+            <a:spLocks noGrp="1"/>
+          </p:cNvSpPr>
           <p:nvPr>
             <p:ph type="title"/>
           </p:nvPr>
@@ -1327,7 +1534,6 @@
             </a:lvl1pPr>
           </a:lstStyle>
           <a:p>
-            <a:pPr/>
             <a:r>
               <a:t>Title Text</a:t>
             </a:r>
@@ -1337,7 +1543,9 @@
       <p:sp>
         <p:nvSpPr>
           <p:cNvPr id="56" name="Body Level One…"/>
-          <p:cNvSpPr/>
+          <p:cNvSpPr>
+            <a:spLocks noGrp="1"/>
+          </p:cNvSpPr>
           <p:nvPr>
             <p:ph type="body" sz="quarter" idx="1"/>
           </p:nvPr>
@@ -1376,7 +1584,6 @@
             </a:lvl5pPr>
           </a:lstStyle>
           <a:p>
-            <a:pPr/>
             <a:r>
               <a:t>Body Level One</a:t>
             </a:r>
@@ -1410,7 +1617,9 @@
       <p:sp>
         <p:nvSpPr>
           <p:cNvPr id="57" name="Slide Number"/>
-          <p:cNvSpPr/>
+          <p:cNvSpPr>
+            <a:spLocks noGrp="1"/>
+          </p:cNvSpPr>
           <p:nvPr>
             <p:ph type="sldNum" sz="quarter" idx="2"/>
           </p:nvPr>
@@ -1424,8 +1633,10 @@
           <a:bodyPr/>
           <a:lstStyle/>
           <a:p>
-            <a:pPr/>
-            <a:fld id="{86CB4B4D-7CA3-9044-876B-883B54F8677D}" type="slidenum"/>
+            <a:fld id="{86CB4B4D-7CA3-9044-876B-883B54F8677D}" type="slidenum">
+              <a:t>‹#›</a:t>
+            </a:fld>
+            <a:endParaRPr/>
           </a:p>
         </p:txBody>
       </p:sp>
@@ -1434,12 +1645,12 @@
   <p:clrMapOvr>
     <a:masterClrMapping/>
   </p:clrMapOvr>
-  <p:transition xmlns:p14="http://schemas.microsoft.com/office/powerpoint/2010/main" spd="med" advClick="1"/>
+  <p:transition spd="med"/>
 </p:sldLayout>
 </file>
 
 <file path=ppt/slideLayouts/slideLayout7.xml><?xml version="1.0" encoding="utf-8"?>
-<p:sldLayout xmlns:a="http://schemas.openxmlformats.org/drawingml/2006/main" xmlns:r="http://schemas.openxmlformats.org/officeDocument/2006/relationships" xmlns:p="http://schemas.openxmlformats.org/presentationml/2006/main" type="tx" showMasterSp="1" showMasterPhAnim="1">
+<p:sldLayout xmlns:a="http://schemas.openxmlformats.org/drawingml/2006/main" xmlns:r="http://schemas.openxmlformats.org/officeDocument/2006/relationships" xmlns:p="http://schemas.openxmlformats.org/presentationml/2006/main" type="tx">
   <p:cSld name="MAIN_POINT">
     <p:spTree>
       <p:nvGrpSpPr>
@@ -1458,7 +1669,9 @@
       <p:sp>
         <p:nvSpPr>
           <p:cNvPr id="64" name="Title Text"/>
-          <p:cNvSpPr/>
+          <p:cNvSpPr>
+            <a:spLocks noGrp="1"/>
+          </p:cNvSpPr>
           <p:nvPr>
             <p:ph type="title"/>
           </p:nvPr>
@@ -1480,7 +1693,6 @@
             </a:lvl1pPr>
           </a:lstStyle>
           <a:p>
-            <a:pPr/>
             <a:r>
               <a:t>Title Text</a:t>
             </a:r>
@@ -1490,7 +1702,9 @@
       <p:sp>
         <p:nvSpPr>
           <p:cNvPr id="65" name="Slide Number"/>
-          <p:cNvSpPr/>
+          <p:cNvSpPr>
+            <a:spLocks noGrp="1"/>
+          </p:cNvSpPr>
           <p:nvPr>
             <p:ph type="sldNum" sz="quarter" idx="2"/>
           </p:nvPr>
@@ -1504,8 +1718,10 @@
           <a:bodyPr/>
           <a:lstStyle/>
           <a:p>
-            <a:pPr/>
-            <a:fld id="{86CB4B4D-7CA3-9044-876B-883B54F8677D}" type="slidenum"/>
+            <a:fld id="{86CB4B4D-7CA3-9044-876B-883B54F8677D}" type="slidenum">
+              <a:t>‹#›</a:t>
+            </a:fld>
+            <a:endParaRPr/>
           </a:p>
         </p:txBody>
       </p:sp>
@@ -1514,12 +1730,12 @@
   <p:clrMapOvr>
     <a:masterClrMapping/>
   </p:clrMapOvr>
-  <p:transition xmlns:p14="http://schemas.microsoft.com/office/powerpoint/2010/main" spd="med" advClick="1"/>
+  <p:transition spd="med"/>
 </p:sldLayout>
 </file>
 
 <file path=ppt/slideLayouts/slideLayout8.xml><?xml version="1.0" encoding="utf-8"?>
-<p:sldLayout xmlns:a="http://schemas.openxmlformats.org/drawingml/2006/main" xmlns:r="http://schemas.openxmlformats.org/officeDocument/2006/relationships" xmlns:p="http://schemas.openxmlformats.org/presentationml/2006/main" type="tx" showMasterSp="1" showMasterPhAnim="1">
+<p:sldLayout xmlns:a="http://schemas.openxmlformats.org/drawingml/2006/main" xmlns:r="http://schemas.openxmlformats.org/officeDocument/2006/relationships" xmlns:p="http://schemas.openxmlformats.org/presentationml/2006/main" type="tx">
   <p:cSld name="SECTION_TITLE_AND_DESCRIPTION">
     <p:spTree>
       <p:nvGrpSpPr>
@@ -1560,14 +1776,16 @@
           <a:bodyPr lIns="45719" rIns="45719" anchor="ctr"/>
           <a:lstStyle/>
           <a:p>
-            <a:pPr/>
+            <a:endParaRPr/>
           </a:p>
         </p:txBody>
       </p:sp>
       <p:sp>
         <p:nvSpPr>
           <p:cNvPr id="73" name="Title Text"/>
-          <p:cNvSpPr/>
+          <p:cNvSpPr>
+            <a:spLocks noGrp="1"/>
+          </p:cNvSpPr>
           <p:nvPr>
             <p:ph type="title"/>
           </p:nvPr>
@@ -1589,7 +1807,6 @@
             </a:lvl1pPr>
           </a:lstStyle>
           <a:p>
-            <a:pPr/>
             <a:r>
               <a:t>Title Text</a:t>
             </a:r>
@@ -1599,7 +1816,9 @@
       <p:sp>
         <p:nvSpPr>
           <p:cNvPr id="74" name="Body Level One…"/>
-          <p:cNvSpPr/>
+          <p:cNvSpPr>
+            <a:spLocks noGrp="1"/>
+          </p:cNvSpPr>
           <p:nvPr>
             <p:ph type="body" sz="quarter" idx="1"/>
           </p:nvPr>
@@ -1668,7 +1887,6 @@
             </a:lvl5pPr>
           </a:lstStyle>
           <a:p>
-            <a:pPr/>
             <a:r>
               <a:t>Body Level One</a:t>
             </a:r>
@@ -1702,7 +1920,9 @@
       <p:sp>
         <p:nvSpPr>
           <p:cNvPr id="75" name="Shape 39"/>
-          <p:cNvSpPr/>
+          <p:cNvSpPr>
+            <a:spLocks noGrp="1"/>
+          </p:cNvSpPr>
           <p:nvPr>
             <p:ph type="body" sz="half" idx="13"/>
           </p:nvPr>
@@ -1720,14 +1940,16 @@
           <a:bodyPr anchor="ctr"/>
           <a:lstStyle/>
           <a:p>
-            <a:pPr/>
+            <a:endParaRPr/>
           </a:p>
         </p:txBody>
       </p:sp>
       <p:sp>
         <p:nvSpPr>
           <p:cNvPr id="76" name="Slide Number"/>
-          <p:cNvSpPr/>
+          <p:cNvSpPr>
+            <a:spLocks noGrp="1"/>
+          </p:cNvSpPr>
           <p:nvPr>
             <p:ph type="sldNum" sz="quarter" idx="2"/>
           </p:nvPr>
@@ -1741,8 +1963,10 @@
           <a:bodyPr/>
           <a:lstStyle/>
           <a:p>
-            <a:pPr/>
-            <a:fld id="{86CB4B4D-7CA3-9044-876B-883B54F8677D}" type="slidenum"/>
+            <a:fld id="{86CB4B4D-7CA3-9044-876B-883B54F8677D}" type="slidenum">
+              <a:t>‹#›</a:t>
+            </a:fld>
+            <a:endParaRPr/>
           </a:p>
         </p:txBody>
       </p:sp>
@@ -1751,12 +1975,12 @@
   <p:clrMapOvr>
     <a:masterClrMapping/>
   </p:clrMapOvr>
-  <p:transition xmlns:p14="http://schemas.microsoft.com/office/powerpoint/2010/main" spd="med" advClick="1"/>
+  <p:transition spd="med"/>
 </p:sldLayout>
 </file>
 
 <file path=ppt/slideLayouts/slideLayout9.xml><?xml version="1.0" encoding="utf-8"?>
-<p:sldLayout xmlns:a="http://schemas.openxmlformats.org/drawingml/2006/main" xmlns:r="http://schemas.openxmlformats.org/officeDocument/2006/relationships" xmlns:p="http://schemas.openxmlformats.org/presentationml/2006/main" type="tx" showMasterSp="1" showMasterPhAnim="1">
+<p:sldLayout xmlns:a="http://schemas.openxmlformats.org/drawingml/2006/main" xmlns:r="http://schemas.openxmlformats.org/officeDocument/2006/relationships" xmlns:p="http://schemas.openxmlformats.org/presentationml/2006/main" type="tx">
   <p:cSld name="CAPTION_ONLY">
     <p:spTree>
       <p:nvGrpSpPr>
@@ -1775,7 +1999,9 @@
       <p:sp>
         <p:nvSpPr>
           <p:cNvPr id="83" name="Body Level One…"/>
-          <p:cNvSpPr/>
+          <p:cNvSpPr>
+            <a:spLocks noGrp="1"/>
+          </p:cNvSpPr>
           <p:nvPr>
             <p:ph type="body" sz="quarter" idx="1"/>
           </p:nvPr>
@@ -1831,7 +2057,6 @@
             </a:lvl5pPr>
           </a:lstStyle>
           <a:p>
-            <a:pPr/>
             <a:r>
               <a:t>Body Level One</a:t>
             </a:r>
@@ -1865,7 +2090,9 @@
       <p:sp>
         <p:nvSpPr>
           <p:cNvPr id="84" name="Slide Number"/>
-          <p:cNvSpPr/>
+          <p:cNvSpPr>
+            <a:spLocks noGrp="1"/>
+          </p:cNvSpPr>
           <p:nvPr>
             <p:ph type="sldNum" sz="quarter" idx="2"/>
           </p:nvPr>
@@ -1879,8 +2106,10 @@
           <a:bodyPr/>
           <a:lstStyle/>
           <a:p>
-            <a:pPr/>
-            <a:fld id="{86CB4B4D-7CA3-9044-876B-883B54F8677D}" type="slidenum"/>
+            <a:fld id="{86CB4B4D-7CA3-9044-876B-883B54F8677D}" type="slidenum">
+              <a:t>‹#›</a:t>
+            </a:fld>
+            <a:endParaRPr/>
           </a:p>
         </p:txBody>
       </p:sp>
@@ -1889,7 +2118,7 @@
   <p:clrMapOvr>
     <a:masterClrMapping/>
   </p:clrMapOvr>
-  <p:transition xmlns:p14="http://schemas.microsoft.com/office/powerpoint/2010/main" spd="med" advClick="1"/>
+  <p:transition spd="med"/>
 </p:sldLayout>
 </file>
 
@@ -1901,6 +2130,7 @@
         <a:solidFill>
           <a:srgbClr val="FFFFFF"/>
         </a:solidFill>
+        <a:effectLst/>
       </p:bgPr>
     </p:bg>
     <p:spTree>
@@ -1920,7 +2150,9 @@
       <p:sp>
         <p:nvSpPr>
           <p:cNvPr id="2" name="Title Text"/>
-          <p:cNvSpPr/>
+          <p:cNvSpPr>
+            <a:spLocks noGrp="1"/>
+          </p:cNvSpPr>
           <p:nvPr>
             <p:ph type="title"/>
           </p:nvPr>
@@ -1938,17 +2170,16 @@
           </a:ln>
           <a:extLst>
             <a:ext uri="{C572A759-6A51-4108-AA02-DFA0A04FC94B}">
-              <ma14:wrappingTextBoxFlag xmlns:ma14="http://schemas.microsoft.com/office/mac/drawingml/2011/main" val="1"/>
+              <ma14:wrappingTextBoxFlag xmlns="" xmlns:ma14="http://schemas.microsoft.com/office/mac/drawingml/2011/main" val="1"/>
             </a:ext>
           </a:extLst>
         </p:spPr>
         <p:txBody>
           <a:bodyPr lIns="91424" tIns="91424" rIns="91424" bIns="91424">
-            <a:normAutofit fontScale="100000" lnSpcReduction="0"/>
+            <a:normAutofit/>
           </a:bodyPr>
           <a:lstStyle/>
           <a:p>
-            <a:pPr/>
             <a:r>
               <a:t>Title Text</a:t>
             </a:r>
@@ -1958,7 +2189,9 @@
       <p:sp>
         <p:nvSpPr>
           <p:cNvPr id="3" name="Body Level One…"/>
-          <p:cNvSpPr/>
+          <p:cNvSpPr>
+            <a:spLocks noGrp="1"/>
+          </p:cNvSpPr>
           <p:nvPr>
             <p:ph type="body" idx="1"/>
           </p:nvPr>
@@ -1976,17 +2209,16 @@
           </a:ln>
           <a:extLst>
             <a:ext uri="{C572A759-6A51-4108-AA02-DFA0A04FC94B}">
-              <ma14:wrappingTextBoxFlag xmlns:ma14="http://schemas.microsoft.com/office/mac/drawingml/2011/main" val="1"/>
+              <ma14:wrappingTextBoxFlag xmlns="" xmlns:ma14="http://schemas.microsoft.com/office/mac/drawingml/2011/main" val="1"/>
             </a:ext>
           </a:extLst>
         </p:spPr>
         <p:txBody>
           <a:bodyPr lIns="91424" tIns="91424" rIns="91424" bIns="91424">
-            <a:normAutofit fontScale="100000" lnSpcReduction="0"/>
+            <a:normAutofit/>
           </a:bodyPr>
           <a:lstStyle/>
           <a:p>
-            <a:pPr/>
             <a:r>
               <a:t>Body Level One</a:t>
             </a:r>
@@ -2020,7 +2252,9 @@
       <p:sp>
         <p:nvSpPr>
           <p:cNvPr id="4" name="Slide Number"/>
-          <p:cNvSpPr/>
+          <p:cNvSpPr>
+            <a:spLocks noGrp="1"/>
+          </p:cNvSpPr>
           <p:nvPr>
             <p:ph type="sldNum" sz="quarter" idx="2"/>
           </p:nvPr>
@@ -2053,8 +2287,10 @@
             </a:lvl1pPr>
           </a:lstStyle>
           <a:p>
-            <a:pPr/>
-            <a:fld id="{86CB4B4D-7CA3-9044-876B-883B54F8677D}" type="slidenum"/>
+            <a:fld id="{86CB4B4D-7CA3-9044-876B-883B54F8677D}" type="slidenum">
+              <a:t>‹#›</a:t>
+            </a:fld>
+            <a:endParaRPr/>
           </a:p>
         </p:txBody>
       </p:sp>
@@ -2062,19 +2298,19 @@
   </p:cSld>
   <p:clrMap bg1="lt1" tx1="dk1" bg2="lt2" tx2="dk2" accent1="accent1" accent2="accent2" accent3="accent3" accent4="accent4" accent5="accent5" accent6="accent6" hlink="hlink" folHlink="folHlink"/>
   <p:sldLayoutIdLst>
-    <p:sldLayoutId id="2147483649" r:id="rId2"/>
-    <p:sldLayoutId id="2147483650" r:id="rId3"/>
-    <p:sldLayoutId id="2147483651" r:id="rId4"/>
-    <p:sldLayoutId id="2147483652" r:id="rId5"/>
-    <p:sldLayoutId id="2147483653" r:id="rId6"/>
-    <p:sldLayoutId id="2147483654" r:id="rId7"/>
-    <p:sldLayoutId id="2147483655" r:id="rId8"/>
-    <p:sldLayoutId id="2147483656" r:id="rId9"/>
-    <p:sldLayoutId id="2147483657" r:id="rId10"/>
-    <p:sldLayoutId id="2147483658" r:id="rId11"/>
-    <p:sldLayoutId id="2147483659" r:id="rId12"/>
+    <p:sldLayoutId id="2147483649" r:id="rId1"/>
+    <p:sldLayoutId id="2147483650" r:id="rId2"/>
+    <p:sldLayoutId id="2147483651" r:id="rId3"/>
+    <p:sldLayoutId id="2147483652" r:id="rId4"/>
+    <p:sldLayoutId id="2147483653" r:id="rId5"/>
+    <p:sldLayoutId id="2147483654" r:id="rId6"/>
+    <p:sldLayoutId id="2147483655" r:id="rId7"/>
+    <p:sldLayoutId id="2147483656" r:id="rId8"/>
+    <p:sldLayoutId id="2147483657" r:id="rId9"/>
+    <p:sldLayoutId id="2147483658" r:id="rId10"/>
+    <p:sldLayoutId id="2147483659" r:id="rId11"/>
   </p:sldLayoutIdLst>
-  <p:transition xmlns:p14="http://schemas.microsoft.com/office/powerpoint/2010/main" spd="med" advClick="1"/>
+  <p:transition spd="med"/>
   <p:txStyles>
     <p:titleStyle>
       <a:lvl1pPr marL="0" marR="0" indent="0" algn="l" defTabSz="914400" rtl="0" latinLnBrk="0">
@@ -2092,7 +2328,7 @@
         <a:buFontTx/>
         <a:buNone/>
         <a:tabLst/>
-        <a:defRPr b="0" baseline="0" cap="none" i="0" spc="0" strike="noStrike" sz="2800" u="none">
+        <a:defRPr sz="2800" b="0" i="0" u="none" strike="noStrike" cap="none" spc="0" baseline="0">
           <a:ln>
             <a:noFill/>
           </a:ln>
@@ -2121,7 +2357,7 @@
         <a:buFontTx/>
         <a:buNone/>
         <a:tabLst/>
-        <a:defRPr b="0" baseline="0" cap="none" i="0" spc="0" strike="noStrike" sz="2800" u="none">
+        <a:defRPr sz="2800" b="0" i="0" u="none" strike="noStrike" cap="none" spc="0" baseline="0">
           <a:ln>
             <a:noFill/>
           </a:ln>
@@ -2150,7 +2386,7 @@
         <a:buFontTx/>
         <a:buNone/>
         <a:tabLst/>
-        <a:defRPr b="0" baseline="0" cap="none" i="0" spc="0" strike="noStrike" sz="2800" u="none">
+        <a:defRPr sz="2800" b="0" i="0" u="none" strike="noStrike" cap="none" spc="0" baseline="0">
           <a:ln>
             <a:noFill/>
           </a:ln>
@@ -2179,7 +2415,7 @@
         <a:buFontTx/>
         <a:buNone/>
         <a:tabLst/>
-        <a:defRPr b="0" baseline="0" cap="none" i="0" spc="0" strike="noStrike" sz="2800" u="none">
+        <a:defRPr sz="2800" b="0" i="0" u="none" strike="noStrike" cap="none" spc="0" baseline="0">
           <a:ln>
             <a:noFill/>
           </a:ln>
@@ -2208,7 +2444,7 @@
         <a:buFontTx/>
         <a:buNone/>
         <a:tabLst/>
-        <a:defRPr b="0" baseline="0" cap="none" i="0" spc="0" strike="noStrike" sz="2800" u="none">
+        <a:defRPr sz="2800" b="0" i="0" u="none" strike="noStrike" cap="none" spc="0" baseline="0">
           <a:ln>
             <a:noFill/>
           </a:ln>
@@ -2237,7 +2473,7 @@
         <a:buFontTx/>
         <a:buNone/>
         <a:tabLst/>
-        <a:defRPr b="0" baseline="0" cap="none" i="0" spc="0" strike="noStrike" sz="2800" u="none">
+        <a:defRPr sz="2800" b="0" i="0" u="none" strike="noStrike" cap="none" spc="0" baseline="0">
           <a:ln>
             <a:noFill/>
           </a:ln>
@@ -2266,7 +2502,7 @@
         <a:buFontTx/>
         <a:buNone/>
         <a:tabLst/>
-        <a:defRPr b="0" baseline="0" cap="none" i="0" spc="0" strike="noStrike" sz="2800" u="none">
+        <a:defRPr sz="2800" b="0" i="0" u="none" strike="noStrike" cap="none" spc="0" baseline="0">
           <a:ln>
             <a:noFill/>
           </a:ln>
@@ -2295,7 +2531,7 @@
         <a:buFontTx/>
         <a:buNone/>
         <a:tabLst/>
-        <a:defRPr b="0" baseline="0" cap="none" i="0" spc="0" strike="noStrike" sz="2800" u="none">
+        <a:defRPr sz="2800" b="0" i="0" u="none" strike="noStrike" cap="none" spc="0" baseline="0">
           <a:ln>
             <a:noFill/>
           </a:ln>
@@ -2324,7 +2560,7 @@
         <a:buFontTx/>
         <a:buNone/>
         <a:tabLst/>
-        <a:defRPr b="0" baseline="0" cap="none" i="0" spc="0" strike="noStrike" sz="2800" u="none">
+        <a:defRPr sz="2800" b="0" i="0" u="none" strike="noStrike" cap="none" spc="0" baseline="0">
           <a:ln>
             <a:noFill/>
           </a:ln>
@@ -2359,7 +2595,7 @@
         <a:buFont typeface="Arial"/>
         <a:buChar char="●"/>
         <a:tabLst/>
-        <a:defRPr b="0" baseline="0" cap="none" i="0" spc="0" strike="noStrike" sz="1800" u="none">
+        <a:defRPr sz="1800" b="0" i="0" u="none" strike="noStrike" cap="none" spc="0" baseline="0">
           <a:ln>
             <a:noFill/>
           </a:ln>
@@ -2394,7 +2630,7 @@
         <a:buFont typeface="Arial"/>
         <a:buChar char="○"/>
         <a:tabLst/>
-        <a:defRPr b="0" baseline="0" cap="none" i="0" spc="0" strike="noStrike" sz="1800" u="none">
+        <a:defRPr sz="1800" b="0" i="0" u="none" strike="noStrike" cap="none" spc="0" baseline="0">
           <a:ln>
             <a:noFill/>
           </a:ln>
@@ -2429,7 +2665,7 @@
         <a:buFont typeface="Arial"/>
         <a:buChar char="■"/>
         <a:tabLst/>
-        <a:defRPr b="0" baseline="0" cap="none" i="0" spc="0" strike="noStrike" sz="1800" u="none">
+        <a:defRPr sz="1800" b="0" i="0" u="none" strike="noStrike" cap="none" spc="0" baseline="0">
           <a:ln>
             <a:noFill/>
           </a:ln>
@@ -2464,7 +2700,7 @@
         <a:buFont typeface="Arial"/>
         <a:buChar char="●"/>
         <a:tabLst/>
-        <a:defRPr b="0" baseline="0" cap="none" i="0" spc="0" strike="noStrike" sz="1800" u="none">
+        <a:defRPr sz="1800" b="0" i="0" u="none" strike="noStrike" cap="none" spc="0" baseline="0">
           <a:ln>
             <a:noFill/>
           </a:ln>
@@ -2499,7 +2735,7 @@
         <a:buFont typeface="Arial"/>
         <a:buChar char="○"/>
         <a:tabLst/>
-        <a:defRPr b="0" baseline="0" cap="none" i="0" spc="0" strike="noStrike" sz="1800" u="none">
+        <a:defRPr sz="1800" b="0" i="0" u="none" strike="noStrike" cap="none" spc="0" baseline="0">
           <a:ln>
             <a:noFill/>
           </a:ln>
@@ -2534,7 +2770,7 @@
         <a:buFont typeface="Arial"/>
         <a:buChar char="■"/>
         <a:tabLst/>
-        <a:defRPr b="0" baseline="0" cap="none" i="0" spc="0" strike="noStrike" sz="1800" u="none">
+        <a:defRPr sz="1800" b="0" i="0" u="none" strike="noStrike" cap="none" spc="0" baseline="0">
           <a:ln>
             <a:noFill/>
           </a:ln>
@@ -2569,7 +2805,7 @@
         <a:buFont typeface="Arial"/>
         <a:buChar char="●"/>
         <a:tabLst/>
-        <a:defRPr b="0" baseline="0" cap="none" i="0" spc="0" strike="noStrike" sz="1800" u="none">
+        <a:defRPr sz="1800" b="0" i="0" u="none" strike="noStrike" cap="none" spc="0" baseline="0">
           <a:ln>
             <a:noFill/>
           </a:ln>
@@ -2604,7 +2840,7 @@
         <a:buFont typeface="Arial"/>
         <a:buChar char="○"/>
         <a:tabLst/>
-        <a:defRPr b="0" baseline="0" cap="none" i="0" spc="0" strike="noStrike" sz="1800" u="none">
+        <a:defRPr sz="1800" b="0" i="0" u="none" strike="noStrike" cap="none" spc="0" baseline="0">
           <a:ln>
             <a:noFill/>
           </a:ln>
@@ -2639,7 +2875,7 @@
         <a:buFont typeface="Arial"/>
         <a:buChar char="■"/>
         <a:tabLst/>
-        <a:defRPr b="0" baseline="0" cap="none" i="0" spc="0" strike="noStrike" sz="1800" u="none">
+        <a:defRPr sz="1800" b="0" i="0" u="none" strike="noStrike" cap="none" spc="0" baseline="0">
           <a:ln>
             <a:noFill/>
           </a:ln>
@@ -2672,7 +2908,7 @@
         <a:buFontTx/>
         <a:buNone/>
         <a:tabLst/>
-        <a:defRPr b="0" baseline="0" cap="none" i="0" spc="0" strike="noStrike" sz="1000" u="none">
+        <a:defRPr sz="1000" b="0" i="0" u="none" strike="noStrike" cap="none" spc="0" baseline="0">
           <a:ln>
             <a:noFill/>
           </a:ln>
@@ -2701,7 +2937,7 @@
         <a:buFontTx/>
         <a:buNone/>
         <a:tabLst/>
-        <a:defRPr b="0" baseline="0" cap="none" i="0" spc="0" strike="noStrike" sz="1000" u="none">
+        <a:defRPr sz="1000" b="0" i="0" u="none" strike="noStrike" cap="none" spc="0" baseline="0">
           <a:ln>
             <a:noFill/>
           </a:ln>
@@ -2730,7 +2966,7 @@
         <a:buFontTx/>
         <a:buNone/>
         <a:tabLst/>
-        <a:defRPr b="0" baseline="0" cap="none" i="0" spc="0" strike="noStrike" sz="1000" u="none">
+        <a:defRPr sz="1000" b="0" i="0" u="none" strike="noStrike" cap="none" spc="0" baseline="0">
           <a:ln>
             <a:noFill/>
           </a:ln>
@@ -2759,7 +2995,7 @@
         <a:buFontTx/>
         <a:buNone/>
         <a:tabLst/>
-        <a:defRPr b="0" baseline="0" cap="none" i="0" spc="0" strike="noStrike" sz="1000" u="none">
+        <a:defRPr sz="1000" b="0" i="0" u="none" strike="noStrike" cap="none" spc="0" baseline="0">
           <a:ln>
             <a:noFill/>
           </a:ln>
@@ -2788,7 +3024,7 @@
         <a:buFontTx/>
         <a:buNone/>
         <a:tabLst/>
-        <a:defRPr b="0" baseline="0" cap="none" i="0" spc="0" strike="noStrike" sz="1000" u="none">
+        <a:defRPr sz="1000" b="0" i="0" u="none" strike="noStrike" cap="none" spc="0" baseline="0">
           <a:ln>
             <a:noFill/>
           </a:ln>
@@ -2817,7 +3053,7 @@
         <a:buFontTx/>
         <a:buNone/>
         <a:tabLst/>
-        <a:defRPr b="0" baseline="0" cap="none" i="0" spc="0" strike="noStrike" sz="1000" u="none">
+        <a:defRPr sz="1000" b="0" i="0" u="none" strike="noStrike" cap="none" spc="0" baseline="0">
           <a:ln>
             <a:noFill/>
           </a:ln>
@@ -2846,7 +3082,7 @@
         <a:buFontTx/>
         <a:buNone/>
         <a:tabLst/>
-        <a:defRPr b="0" baseline="0" cap="none" i="0" spc="0" strike="noStrike" sz="1000" u="none">
+        <a:defRPr sz="1000" b="0" i="0" u="none" strike="noStrike" cap="none" spc="0" baseline="0">
           <a:ln>
             <a:noFill/>
           </a:ln>
@@ -2875,7 +3111,7 @@
         <a:buFontTx/>
         <a:buNone/>
         <a:tabLst/>
-        <a:defRPr b="0" baseline="0" cap="none" i="0" spc="0" strike="noStrike" sz="1000" u="none">
+        <a:defRPr sz="1000" b="0" i="0" u="none" strike="noStrike" cap="none" spc="0" baseline="0">
           <a:ln>
             <a:noFill/>
           </a:ln>
@@ -2904,7 +3140,7 @@
         <a:buFontTx/>
         <a:buNone/>
         <a:tabLst/>
-        <a:defRPr b="0" baseline="0" cap="none" i="0" spc="0" strike="noStrike" sz="1000" u="none">
+        <a:defRPr sz="1000" b="0" i="0" u="none" strike="noStrike" cap="none" spc="0" baseline="0">
           <a:ln>
             <a:noFill/>
           </a:ln>
@@ -2924,7 +3160,7 @@
 </file>
 
 <file path=ppt/slides/slide1.xml><?xml version="1.0" encoding="utf-8"?>
-<p:sld xmlns:a="http://schemas.openxmlformats.org/drawingml/2006/main" xmlns:r="http://schemas.openxmlformats.org/officeDocument/2006/relationships" xmlns:p="http://schemas.openxmlformats.org/presentationml/2006/main" showMasterSp="1" showMasterPhAnim="1">
+<p:sld xmlns:a="http://schemas.openxmlformats.org/drawingml/2006/main" xmlns:r="http://schemas.openxmlformats.org/officeDocument/2006/relationships" xmlns:p="http://schemas.openxmlformats.org/presentationml/2006/main">
   <p:cSld>
     <p:spTree>
       <p:nvGrpSpPr>
@@ -2947,7 +3183,7 @@
           <p:nvPr/>
         </p:nvSpPr>
         <p:spPr>
-          <a:xfrm flipH="1" rot="10800000">
+          <a:xfrm rot="10800000" flipH="1">
             <a:off x="-1" y="0"/>
             <a:ext cx="9163201" cy="5148001"/>
           </a:xfrm>
@@ -2971,7 +3207,7 @@
             </a:cxnLst>
             <a:rect l="0" t="0" r="r" b="b"/>
             <a:pathLst>
-              <a:path w="21600" h="21600" fill="norm" stroke="1" extrusionOk="0">
+              <a:path w="21600" h="21600" extrusionOk="0">
                 <a:moveTo>
                   <a:pt x="0" y="0"/>
                 </a:moveTo>
@@ -3010,7 +3246,7 @@
           <a:bodyPr lIns="45719" rIns="45719" anchor="ctr"/>
           <a:lstStyle/>
           <a:p>
-            <a:pPr/>
+            <a:endParaRPr/>
           </a:p>
         </p:txBody>
       </p:sp>
@@ -3033,7 +3269,7 @@
           </a:ln>
           <a:extLst>
             <a:ext uri="{C572A759-6A51-4108-AA02-DFA0A04FC94B}">
-              <ma14:wrappingTextBoxFlag xmlns:ma14="http://schemas.microsoft.com/office/mac/drawingml/2011/main" val="1"/>
+              <ma14:wrappingTextBoxFlag xmlns="" xmlns:ma14="http://schemas.microsoft.com/office/mac/drawingml/2011/main" val="1"/>
             </a:ext>
           </a:extLst>
         </p:spPr>
@@ -3055,7 +3291,6 @@
             </a:lvl1pPr>
           </a:lstStyle>
           <a:p>
-            <a:pPr/>
             <a:r>
               <a:t>Sprocket Central Pty Ltd</a:t>
             </a:r>
@@ -3081,7 +3316,7 @@
           </a:ln>
           <a:extLst>
             <a:ext uri="{C572A759-6A51-4108-AA02-DFA0A04FC94B}">
-              <ma14:wrappingTextBoxFlag xmlns:ma14="http://schemas.microsoft.com/office/mac/drawingml/2011/main" val="1"/>
+              <ma14:wrappingTextBoxFlag xmlns="" xmlns:ma14="http://schemas.microsoft.com/office/mac/drawingml/2011/main" val="1"/>
             </a:ext>
           </a:extLst>
         </p:spPr>
@@ -3103,7 +3338,6 @@
             </a:lvl1pPr>
           </a:lstStyle>
           <a:p>
-            <a:pPr/>
             <a:r>
               <a:t>Data analytics approach</a:t>
             </a:r>
@@ -3119,9 +3353,7 @@
           <p:nvPr/>
         </p:nvPicPr>
         <p:blipFill>
-          <a:blip r:embed="rId2">
-            <a:extLst/>
-          </a:blip>
+          <a:blip r:embed="rId2"/>
           <a:stretch>
             <a:fillRect/>
           </a:stretch>
@@ -3158,7 +3390,7 @@
           </a:ln>
           <a:extLst>
             <a:ext uri="{C572A759-6A51-4108-AA02-DFA0A04FC94B}">
-              <ma14:wrappingTextBoxFlag xmlns:ma14="http://schemas.microsoft.com/office/mac/drawingml/2011/main" val="1"/>
+              <ma14:wrappingTextBoxFlag xmlns="" xmlns:ma14="http://schemas.microsoft.com/office/mac/drawingml/2011/main" val="1"/>
             </a:ext>
           </a:extLst>
         </p:spPr>
@@ -3180,7 +3412,6 @@
             </a:lvl1pPr>
           </a:lstStyle>
           <a:p>
-            <a:pPr/>
             <a:r>
               <a:t>[Division Name] - [Engagement Manager], [Senior Consultant], [Junior Consultant]</a:t>
             </a:r>
@@ -3209,7 +3440,7 @@
           </a:ln>
           <a:extLst>
             <a:ext uri="{C572A759-6A51-4108-AA02-DFA0A04FC94B}">
-              <ma14:wrappingTextBoxFlag xmlns:ma14="http://schemas.microsoft.com/office/mac/drawingml/2011/main" val="1"/>
+              <ma14:wrappingTextBoxFlag xmlns="" xmlns:ma14="http://schemas.microsoft.com/office/mac/drawingml/2011/main" val="1"/>
             </a:ext>
           </a:extLst>
         </p:spPr>
@@ -3218,7 +3449,7 @@
           <a:lstStyle/>
           <a:p>
             <a:pPr defTabSz="457200">
-              <a:defRPr b="1" sz="500">
+              <a:defRPr sz="500" b="1">
                 <a:latin typeface="Calibri"/>
                 <a:ea typeface="Calibri"/>
                 <a:cs typeface="Calibri"/>
@@ -3240,12 +3471,12 @@
   <p:clrMapOvr>
     <a:masterClrMapping/>
   </p:clrMapOvr>
-  <p:transition xmlns:p14="http://schemas.microsoft.com/office/powerpoint/2010/main" spd="med" advClick="1"/>
+  <p:transition spd="med"/>
 </p:sld>
 </file>
 
 <file path=ppt/slides/slide2.xml><?xml version="1.0" encoding="utf-8"?>
-<p:sld xmlns:a="http://schemas.openxmlformats.org/drawingml/2006/main" xmlns:r="http://schemas.openxmlformats.org/officeDocument/2006/relationships" xmlns:p="http://schemas.openxmlformats.org/presentationml/2006/main" showMasterSp="1" showMasterPhAnim="1">
+<p:sld xmlns:a="http://schemas.openxmlformats.org/drawingml/2006/main" xmlns:r="http://schemas.openxmlformats.org/officeDocument/2006/relationships" xmlns:p="http://schemas.openxmlformats.org/presentationml/2006/main">
   <p:cSld>
     <p:spTree>
       <p:nvGrpSpPr>
@@ -3294,7 +3525,7 @@
           <a:bodyPr lIns="45719" rIns="45719" anchor="ctr"/>
           <a:lstStyle/>
           <a:p>
-            <a:pPr/>
+            <a:endParaRPr/>
           </a:p>
         </p:txBody>
       </p:sp>
@@ -3317,7 +3548,7 @@
           </a:ln>
           <a:extLst>
             <a:ext uri="{C572A759-6A51-4108-AA02-DFA0A04FC94B}">
-              <ma14:wrappingTextBoxFlag xmlns:ma14="http://schemas.microsoft.com/office/mac/drawingml/2011/main" val="1"/>
+              <ma14:wrappingTextBoxFlag xmlns="" xmlns:ma14="http://schemas.microsoft.com/office/mac/drawingml/2011/main" val="1"/>
             </a:ext>
           </a:extLst>
         </p:spPr>
@@ -3327,7 +3558,7 @@
           </a:bodyPr>
           <a:lstStyle>
             <a:lvl1pPr>
-              <a:defRPr b="1" sz="2000">
+              <a:defRPr sz="2000" b="1">
                 <a:solidFill>
                   <a:srgbClr val="FFFFFF"/>
                 </a:solidFill>
@@ -3335,7 +3566,6 @@
             </a:lvl1pPr>
           </a:lstStyle>
           <a:p>
-            <a:pPr/>
             <a:r>
               <a:t>Agenda</a:t>
             </a:r>
@@ -3361,7 +3591,7 @@
           </a:ln>
           <a:extLst>
             <a:ext uri="{C572A759-6A51-4108-AA02-DFA0A04FC94B}">
-              <ma14:wrappingTextBoxFlag xmlns:ma14="http://schemas.microsoft.com/office/mac/drawingml/2011/main" val="1"/>
+              <ma14:wrappingTextBoxFlag xmlns="" xmlns:ma14="http://schemas.microsoft.com/office/mac/drawingml/2011/main" val="1"/>
             </a:ext>
           </a:extLst>
         </p:spPr>
@@ -3379,7 +3609,7 @@
                 <a:srgbClr val="000000"/>
               </a:buClr>
               <a:buSzPts val="2000"/>
-              <a:buAutoNum type="arabicPeriod" startAt="1"/>
+              <a:buAutoNum type="arabicPeriod"/>
               <a:defRPr sz="2000">
                 <a:latin typeface="Open Sans"/>
                 <a:ea typeface="Open Sans"/>
@@ -3388,6 +3618,7 @@
               </a:defRPr>
             </a:pPr>
             <a:r>
+              <a:rPr dirty="0"/>
               <a:t>Introduction</a:t>
             </a:r>
           </a:p>
@@ -3400,7 +3631,7 @@
                 <a:srgbClr val="000000"/>
               </a:buClr>
               <a:buSzPts val="2000"/>
-              <a:buAutoNum type="arabicPeriod" startAt="1"/>
+              <a:buAutoNum type="arabicPeriod"/>
               <a:defRPr sz="2000">
                 <a:latin typeface="Open Sans"/>
                 <a:ea typeface="Open Sans"/>
@@ -3409,6 +3640,7 @@
               </a:defRPr>
             </a:pPr>
             <a:r>
+              <a:rPr dirty="0"/>
               <a:t>Data Exploration</a:t>
             </a:r>
           </a:p>
@@ -3421,7 +3653,7 @@
                 <a:srgbClr val="000000"/>
               </a:buClr>
               <a:buSzPts val="2000"/>
-              <a:buAutoNum type="arabicPeriod" startAt="1"/>
+              <a:buAutoNum type="arabicPeriod"/>
               <a:defRPr sz="2000">
                 <a:latin typeface="Open Sans"/>
                 <a:ea typeface="Open Sans"/>
@@ -3430,6 +3662,7 @@
               </a:defRPr>
             </a:pPr>
             <a:r>
+              <a:rPr dirty="0"/>
               <a:t>Model Development</a:t>
             </a:r>
           </a:p>
@@ -3442,7 +3675,7 @@
                 <a:srgbClr val="000000"/>
               </a:buClr>
               <a:buSzPts val="2000"/>
-              <a:buAutoNum type="arabicPeriod" startAt="1"/>
+              <a:buAutoNum type="arabicPeriod"/>
               <a:defRPr sz="2000">
                 <a:latin typeface="Open Sans"/>
                 <a:ea typeface="Open Sans"/>
@@ -3451,6 +3684,7 @@
               </a:defRPr>
             </a:pPr>
             <a:r>
+              <a:rPr dirty="0"/>
               <a:t>Interpretation</a:t>
             </a:r>
           </a:p>
@@ -3478,7 +3712,7 @@
           </a:ln>
           <a:extLst>
             <a:ext uri="{C572A759-6A51-4108-AA02-DFA0A04FC94B}">
-              <ma14:wrappingTextBoxFlag xmlns:ma14="http://schemas.microsoft.com/office/mac/drawingml/2011/main" val="1"/>
+              <ma14:wrappingTextBoxFlag xmlns="" xmlns:ma14="http://schemas.microsoft.com/office/mac/drawingml/2011/main" val="1"/>
             </a:ext>
           </a:extLst>
         </p:spPr>
@@ -3487,7 +3721,7 @@
           <a:lstStyle/>
           <a:p>
             <a:pPr defTabSz="457200">
-              <a:defRPr b="1" sz="500">
+              <a:defRPr sz="500" b="1">
                 <a:latin typeface="Calibri"/>
                 <a:ea typeface="Calibri"/>
                 <a:cs typeface="Calibri"/>
@@ -3509,12 +3743,12 @@
   <p:clrMapOvr>
     <a:masterClrMapping/>
   </p:clrMapOvr>
-  <p:transition xmlns:p14="http://schemas.microsoft.com/office/powerpoint/2010/main" spd="med" advClick="1"/>
+  <p:transition spd="med"/>
 </p:sld>
 </file>
 
 <file path=ppt/slides/slide3.xml><?xml version="1.0" encoding="utf-8"?>
-<p:sld xmlns:a="http://schemas.openxmlformats.org/drawingml/2006/main" xmlns:r="http://schemas.openxmlformats.org/officeDocument/2006/relationships" xmlns:p="http://schemas.openxmlformats.org/presentationml/2006/main" showMasterSp="1" showMasterPhAnim="1">
+<p:sld xmlns:a="http://schemas.openxmlformats.org/drawingml/2006/main" xmlns:r="http://schemas.openxmlformats.org/officeDocument/2006/relationships" xmlns:p="http://schemas.openxmlformats.org/presentationml/2006/main">
   <p:cSld>
     <p:spTree>
       <p:nvGrpSpPr>
@@ -3563,7 +3797,7 @@
           <a:bodyPr lIns="45719" rIns="45719" anchor="ctr"/>
           <a:lstStyle/>
           <a:p>
-            <a:pPr/>
+            <a:endParaRPr/>
           </a:p>
         </p:txBody>
       </p:sp>
@@ -3586,7 +3820,7 @@
           </a:ln>
           <a:extLst>
             <a:ext uri="{C572A759-6A51-4108-AA02-DFA0A04FC94B}">
-              <ma14:wrappingTextBoxFlag xmlns:ma14="http://schemas.microsoft.com/office/mac/drawingml/2011/main" val="1"/>
+              <ma14:wrappingTextBoxFlag xmlns="" xmlns:ma14="http://schemas.microsoft.com/office/mac/drawingml/2011/main" val="1"/>
             </a:ext>
           </a:extLst>
         </p:spPr>
@@ -3596,7 +3830,7 @@
           </a:bodyPr>
           <a:lstStyle>
             <a:lvl1pPr>
-              <a:defRPr b="1" sz="2000">
+              <a:defRPr sz="2000" b="1">
                 <a:solidFill>
                   <a:srgbClr val="FFFFFF"/>
                 </a:solidFill>
@@ -3604,7 +3838,6 @@
             </a:lvl1pPr>
           </a:lstStyle>
           <a:p>
-            <a:pPr/>
             <a:r>
               <a:t>Introduction</a:t>
             </a:r>
@@ -3620,7 +3853,7 @@
         <p:spPr>
           <a:xfrm>
             <a:off x="205025" y="1083299"/>
-            <a:ext cx="8565600" cy="920086"/>
+            <a:ext cx="8565600" cy="870271"/>
           </a:xfrm>
           <a:prstGeom prst="rect">
             <a:avLst/>
@@ -3630,7 +3863,7 @@
           </a:ln>
           <a:extLst>
             <a:ext uri="{C572A759-6A51-4108-AA02-DFA0A04FC94B}">
-              <ma14:wrappingTextBoxFlag xmlns:ma14="http://schemas.microsoft.com/office/mac/drawingml/2011/main" val="1"/>
+              <ma14:wrappingTextBoxFlag xmlns="" xmlns:ma14="http://schemas.microsoft.com/office/mac/drawingml/2011/main" val="1"/>
             </a:ext>
           </a:extLst>
         </p:spPr>
@@ -3643,7 +3876,7 @@
               <a:lnSpc>
                 <a:spcPct val="115000"/>
               </a:lnSpc>
-              <a:defRPr b="1" sz="2000">
+              <a:defRPr sz="2000" b="1">
                 <a:latin typeface="Open Sans"/>
                 <a:ea typeface="Open Sans"/>
                 <a:cs typeface="Open Sans"/>
@@ -3652,9 +3885,24 @@
             </a:lvl1pPr>
           </a:lstStyle>
           <a:p>
-            <a:pPr/>
-            <a:r>
-              <a:t>Place headline insight or information here. This should be the most important point for this slide.</a:t>
+            <a:pPr marL="101600">
+              <a:lnSpc>
+                <a:spcPct val="115000"/>
+              </a:lnSpc>
+              <a:buClr>
+                <a:srgbClr val="000000"/>
+              </a:buClr>
+              <a:buSzPts val="2000"/>
+              <a:defRPr sz="2000">
+                <a:latin typeface="Open Sans"/>
+                <a:ea typeface="Open Sans"/>
+                <a:cs typeface="Open Sans"/>
+                <a:sym typeface="Open Sans"/>
+              </a:defRPr>
+            </a:pPr>
+            <a:r>
+              <a:rPr lang="en-US" dirty="0"/>
+              <a:t>Presentation on Data Exploration, Model Development, and Interpretation.</a:t>
             </a:r>
           </a:p>
         </p:txBody>
@@ -3667,8 +3915,8 @@
         </p:nvSpPr>
         <p:spPr>
           <a:xfrm>
-            <a:off x="205025" y="2164724"/>
-            <a:ext cx="4134600" cy="436851"/>
+            <a:off x="268330" y="2038114"/>
+            <a:ext cx="4134600" cy="964271"/>
           </a:xfrm>
           <a:prstGeom prst="rect">
             <a:avLst/>
@@ -3678,7 +3926,7 @@
           </a:ln>
           <a:extLst>
             <a:ext uri="{C572A759-6A51-4108-AA02-DFA0A04FC94B}">
-              <ma14:wrappingTextBoxFlag xmlns:ma14="http://schemas.microsoft.com/office/mac/drawingml/2011/main" val="1"/>
+              <ma14:wrappingTextBoxFlag xmlns="" xmlns:ma14="http://schemas.microsoft.com/office/mac/drawingml/2011/main" val="1"/>
             </a:ext>
           </a:extLst>
         </p:spPr>
@@ -3700,114 +3948,14 @@
             </a:lvl1pPr>
           </a:lstStyle>
           <a:p>
-            <a:pPr/>
-            <a:r>
-              <a:t>Place any information about this point here.</a:t>
-            </a:r>
+            <a:r>
+              <a:rPr lang="en-US" dirty="0"/>
+              <a:t>This presentation takes care of the three (3) steps that are necessarily required to achieve a quality data analysis.</a:t>
+            </a:r>
+            <a:endParaRPr dirty="0"/>
           </a:p>
         </p:txBody>
       </p:sp>
-      <p:grpSp>
-        <p:nvGrpSpPr>
-          <p:cNvPr id="127" name="Shape 74"/>
-          <p:cNvGrpSpPr/>
-          <p:nvPr/>
-        </p:nvGrpSpPr>
-        <p:grpSpPr>
-          <a:xfrm>
-            <a:off x="4969974" y="2164724"/>
-            <a:ext cx="3800702" cy="2649302"/>
-            <a:chOff x="0" y="0"/>
-            <a:chExt cx="3800700" cy="2649300"/>
-          </a:xfrm>
-        </p:grpSpPr>
-        <p:sp>
-          <p:nvSpPr>
-            <p:cNvPr id="125" name="Rectangle"/>
-            <p:cNvSpPr/>
-            <p:nvPr/>
-          </p:nvSpPr>
-          <p:spPr>
-            <a:xfrm>
-              <a:off x="-1" y="-1"/>
-              <a:ext cx="3800702" cy="2649302"/>
-            </a:xfrm>
-            <a:prstGeom prst="rect">
-              <a:avLst/>
-            </a:prstGeom>
-            <a:solidFill>
-              <a:srgbClr val="EEEEEE"/>
-            </a:solidFill>
-            <a:ln w="12700" cap="flat">
-              <a:noFill/>
-              <a:miter lim="400000"/>
-            </a:ln>
-            <a:effectLst/>
-          </p:spPr>
-          <p:txBody>
-            <a:bodyPr wrap="square" lIns="45719" tIns="45719" rIns="45719" bIns="45719" numCol="1" anchor="ctr">
-              <a:noAutofit/>
-            </a:bodyPr>
-            <a:lstStyle/>
-            <a:p>
-              <a:pPr algn="ctr">
-                <a:defRPr>
-                  <a:solidFill>
-                    <a:srgbClr val="666666"/>
-                  </a:solidFill>
-                </a:defRPr>
-              </a:pPr>
-            </a:p>
-          </p:txBody>
-        </p:sp>
-        <p:sp>
-          <p:nvSpPr>
-            <p:cNvPr id="126" name="Place any supporting images, graphs, data or extra text here."/>
-            <p:cNvSpPr/>
-            <p:nvPr/>
-          </p:nvSpPr>
-          <p:spPr>
-            <a:xfrm>
-              <a:off x="-1" y="1032933"/>
-              <a:ext cx="3800702" cy="583434"/>
-            </a:xfrm>
-            <a:prstGeom prst="rect">
-              <a:avLst/>
-            </a:prstGeom>
-            <a:noFill/>
-            <a:ln w="12700" cap="flat">
-              <a:noFill/>
-              <a:miter lim="400000"/>
-            </a:ln>
-            <a:effectLst/>
-            <a:extLst>
-              <a:ext uri="{C572A759-6A51-4108-AA02-DFA0A04FC94B}">
-                <ma14:wrappingTextBoxFlag xmlns:ma14="http://schemas.microsoft.com/office/mac/drawingml/2011/main" val="1"/>
-              </a:ext>
-            </a:extLst>
-          </p:spPr>
-          <p:txBody>
-            <a:bodyPr wrap="square" lIns="91424" tIns="91424" rIns="91424" bIns="91424" numCol="1" anchor="ctr">
-              <a:spAutoFit/>
-            </a:bodyPr>
-            <a:lstStyle>
-              <a:lvl1pPr algn="ctr">
-                <a:defRPr>
-                  <a:solidFill>
-                    <a:srgbClr val="666666"/>
-                  </a:solidFill>
-                </a:defRPr>
-              </a:lvl1pPr>
-            </a:lstStyle>
-            <a:p>
-              <a:pPr/>
-              <a:r>
-                <a:t>Place any supporting images, graphs, data or extra text here.</a:t>
-              </a:r>
-            </a:p>
-          </p:txBody>
-        </p:sp>
-      </p:grpSp>
       <p:sp>
         <p:nvSpPr>
           <p:cNvPr id="128" name="Note: The data and information in this document is reflective of a hypothetical situation and client. This document is to be used for KPMG Virtual Internship purposes only."/>
@@ -3830,7 +3978,7 @@
           </a:ln>
           <a:extLst>
             <a:ext uri="{C572A759-6A51-4108-AA02-DFA0A04FC94B}">
-              <ma14:wrappingTextBoxFlag xmlns:ma14="http://schemas.microsoft.com/office/mac/drawingml/2011/main" val="1"/>
+              <ma14:wrappingTextBoxFlag xmlns="" xmlns:ma14="http://schemas.microsoft.com/office/mac/drawingml/2011/main" val="1"/>
             </a:ext>
           </a:extLst>
         </p:spPr>
@@ -3839,7 +3987,7 @@
           <a:lstStyle/>
           <a:p>
             <a:pPr defTabSz="457200">
-              <a:defRPr b="1" sz="500">
+              <a:defRPr sz="500" b="1">
                 <a:latin typeface="Calibri"/>
                 <a:ea typeface="Calibri"/>
                 <a:cs typeface="Calibri"/>
@@ -3861,12 +4009,12 @@
   <p:clrMapOvr>
     <a:masterClrMapping/>
   </p:clrMapOvr>
-  <p:transition xmlns:p14="http://schemas.microsoft.com/office/powerpoint/2010/main" spd="med" advClick="1"/>
+  <p:transition spd="med"/>
 </p:sld>
 </file>
 
 <file path=ppt/slides/slide4.xml><?xml version="1.0" encoding="utf-8"?>
-<p:sld xmlns:a="http://schemas.openxmlformats.org/drawingml/2006/main" xmlns:r="http://schemas.openxmlformats.org/officeDocument/2006/relationships" xmlns:p="http://schemas.openxmlformats.org/presentationml/2006/main" showMasterSp="1" showMasterPhAnim="1">
+<p:sld xmlns:a="http://schemas.openxmlformats.org/drawingml/2006/main" xmlns:r="http://schemas.openxmlformats.org/officeDocument/2006/relationships" xmlns:p="http://schemas.openxmlformats.org/presentationml/2006/main">
   <p:cSld>
     <p:spTree>
       <p:nvGrpSpPr>
@@ -3915,7 +4063,7 @@
           <a:bodyPr lIns="45719" rIns="45719" anchor="ctr"/>
           <a:lstStyle/>
           <a:p>
-            <a:pPr/>
+            <a:endParaRPr/>
           </a:p>
         </p:txBody>
       </p:sp>
@@ -3938,7 +4086,7 @@
           </a:ln>
           <a:extLst>
             <a:ext uri="{C572A759-6A51-4108-AA02-DFA0A04FC94B}">
-              <ma14:wrappingTextBoxFlag xmlns:ma14="http://schemas.microsoft.com/office/mac/drawingml/2011/main" val="1"/>
+              <ma14:wrappingTextBoxFlag xmlns="" xmlns:ma14="http://schemas.microsoft.com/office/mac/drawingml/2011/main" val="1"/>
             </a:ext>
           </a:extLst>
         </p:spPr>
@@ -3948,7 +4096,7 @@
           </a:bodyPr>
           <a:lstStyle>
             <a:lvl1pPr>
-              <a:defRPr b="1" sz="2000">
+              <a:defRPr sz="2000" b="1">
                 <a:solidFill>
                   <a:srgbClr val="FFFFFF"/>
                 </a:solidFill>
@@ -3956,7 +4104,6 @@
             </a:lvl1pPr>
           </a:lstStyle>
           <a:p>
-            <a:pPr/>
             <a:r>
               <a:t>Data Exploration</a:t>
             </a:r>
@@ -3972,7 +4119,7 @@
         <p:spPr>
           <a:xfrm>
             <a:off x="205025" y="1083299"/>
-            <a:ext cx="8565600" cy="920086"/>
+            <a:ext cx="8565600" cy="870271"/>
           </a:xfrm>
           <a:prstGeom prst="rect">
             <a:avLst/>
@@ -3982,7 +4129,7 @@
           </a:ln>
           <a:extLst>
             <a:ext uri="{C572A759-6A51-4108-AA02-DFA0A04FC94B}">
-              <ma14:wrappingTextBoxFlag xmlns:ma14="http://schemas.microsoft.com/office/mac/drawingml/2011/main" val="1"/>
+              <ma14:wrappingTextBoxFlag xmlns="" xmlns:ma14="http://schemas.microsoft.com/office/mac/drawingml/2011/main" val="1"/>
             </a:ext>
           </a:extLst>
         </p:spPr>
@@ -3995,7 +4142,7 @@
               <a:lnSpc>
                 <a:spcPct val="115000"/>
               </a:lnSpc>
-              <a:defRPr b="1" sz="2000">
+              <a:defRPr sz="2000" b="1">
                 <a:latin typeface="Open Sans"/>
                 <a:ea typeface="Open Sans"/>
                 <a:cs typeface="Open Sans"/>
@@ -4004,10 +4151,11 @@
             </a:lvl1pPr>
           </a:lstStyle>
           <a:p>
-            <a:pPr/>
-            <a:r>
-              <a:t>Place headline insight or information here. This should be the most important point for this slide.</a:t>
-            </a:r>
+            <a:r>
+              <a:rPr lang="en-US" dirty="0"/>
+              <a:t>In this first approach, we will utilize visual exploration to understand the characteristics of the data.  </a:t>
+            </a:r>
+            <a:endParaRPr dirty="0"/>
           </a:p>
         </p:txBody>
       </p:sp>
@@ -4019,8 +4167,8 @@
         </p:nvSpPr>
         <p:spPr>
           <a:xfrm>
-            <a:off x="205025" y="2164724"/>
-            <a:ext cx="4134600" cy="436851"/>
+            <a:off x="205025" y="1997918"/>
+            <a:ext cx="4676464" cy="2822472"/>
           </a:xfrm>
           <a:prstGeom prst="rect">
             <a:avLst/>
@@ -4030,12 +4178,12 @@
           </a:ln>
           <a:extLst>
             <a:ext uri="{C572A759-6A51-4108-AA02-DFA0A04FC94B}">
-              <ma14:wrappingTextBoxFlag xmlns:ma14="http://schemas.microsoft.com/office/mac/drawingml/2011/main" val="1"/>
+              <ma14:wrappingTextBoxFlag xmlns="" xmlns:ma14="http://schemas.microsoft.com/office/mac/drawingml/2011/main" val="1"/>
             </a:ext>
           </a:extLst>
         </p:spPr>
         <p:txBody>
-          <a:bodyPr lIns="91424" tIns="91424" rIns="91424" bIns="91424">
+          <a:bodyPr wrap="square" lIns="91424" tIns="91424" rIns="91424" bIns="91424">
             <a:spAutoFit/>
           </a:bodyPr>
           <a:lstStyle>
@@ -4052,114 +4200,45 @@
             </a:lvl1pPr>
           </a:lstStyle>
           <a:p>
-            <a:pPr/>
-            <a:r>
-              <a:t>Place any information about this point here.</a:t>
-            </a:r>
+            <a:r>
+              <a:rPr lang="en-US" dirty="0"/>
+              <a:t>First, we have to clean up the data by ensuring accurate data and format of all inputted values. </a:t>
+            </a:r>
+            <a:r>
+              <a:rPr lang="en-US" dirty="0" err="1"/>
+              <a:t>Eg</a:t>
+            </a:r>
+            <a:r>
+              <a:rPr lang="en-US" dirty="0"/>
+              <a:t>, the default column contains invalid data</a:t>
+            </a:r>
+            <a:r>
+              <a:rPr dirty="0"/>
+              <a:t>.</a:t>
+            </a:r>
+            <a:endParaRPr lang="en-US" dirty="0"/>
+          </a:p>
+          <a:p>
+            <a:endParaRPr lang="en-US" dirty="0"/>
+          </a:p>
+          <a:p>
+            <a:r>
+              <a:rPr lang="en-US" dirty="0"/>
+              <a:t>Also, there are missing values in the dataset that would likely affect the analysis of the data, especially in the date column.</a:t>
+            </a:r>
+          </a:p>
+          <a:p>
+            <a:endParaRPr lang="en-US" dirty="0"/>
+          </a:p>
+          <a:p>
+            <a:r>
+              <a:rPr lang="en-US" dirty="0"/>
+              <a:t>We will transform the data during this data exploration process to ensure accurate data types. </a:t>
+            </a:r>
+            <a:endParaRPr dirty="0"/>
           </a:p>
         </p:txBody>
       </p:sp>
-      <p:grpSp>
-        <p:nvGrpSpPr>
-          <p:cNvPr id="136" name="Shape 83"/>
-          <p:cNvGrpSpPr/>
-          <p:nvPr/>
-        </p:nvGrpSpPr>
-        <p:grpSpPr>
-          <a:xfrm>
-            <a:off x="4969974" y="2164724"/>
-            <a:ext cx="3800702" cy="2649302"/>
-            <a:chOff x="0" y="0"/>
-            <a:chExt cx="3800700" cy="2649300"/>
-          </a:xfrm>
-        </p:grpSpPr>
-        <p:sp>
-          <p:nvSpPr>
-            <p:cNvPr id="134" name="Rectangle"/>
-            <p:cNvSpPr/>
-            <p:nvPr/>
-          </p:nvSpPr>
-          <p:spPr>
-            <a:xfrm>
-              <a:off x="-1" y="-1"/>
-              <a:ext cx="3800702" cy="2649302"/>
-            </a:xfrm>
-            <a:prstGeom prst="rect">
-              <a:avLst/>
-            </a:prstGeom>
-            <a:solidFill>
-              <a:srgbClr val="EEEEEE"/>
-            </a:solidFill>
-            <a:ln w="12700" cap="flat">
-              <a:noFill/>
-              <a:miter lim="400000"/>
-            </a:ln>
-            <a:effectLst/>
-          </p:spPr>
-          <p:txBody>
-            <a:bodyPr wrap="square" lIns="45719" tIns="45719" rIns="45719" bIns="45719" numCol="1" anchor="ctr">
-              <a:noAutofit/>
-            </a:bodyPr>
-            <a:lstStyle/>
-            <a:p>
-              <a:pPr algn="ctr">
-                <a:defRPr>
-                  <a:solidFill>
-                    <a:srgbClr val="666666"/>
-                  </a:solidFill>
-                </a:defRPr>
-              </a:pPr>
-            </a:p>
-          </p:txBody>
-        </p:sp>
-        <p:sp>
-          <p:nvSpPr>
-            <p:cNvPr id="135" name="Place any supporting images, graphs, data or extra text here."/>
-            <p:cNvSpPr/>
-            <p:nvPr/>
-          </p:nvSpPr>
-          <p:spPr>
-            <a:xfrm>
-              <a:off x="-1" y="1032933"/>
-              <a:ext cx="3800702" cy="583434"/>
-            </a:xfrm>
-            <a:prstGeom prst="rect">
-              <a:avLst/>
-            </a:prstGeom>
-            <a:noFill/>
-            <a:ln w="12700" cap="flat">
-              <a:noFill/>
-              <a:miter lim="400000"/>
-            </a:ln>
-            <a:effectLst/>
-            <a:extLst>
-              <a:ext uri="{C572A759-6A51-4108-AA02-DFA0A04FC94B}">
-                <ma14:wrappingTextBoxFlag xmlns:ma14="http://schemas.microsoft.com/office/mac/drawingml/2011/main" val="1"/>
-              </a:ext>
-            </a:extLst>
-          </p:spPr>
-          <p:txBody>
-            <a:bodyPr wrap="square" lIns="91424" tIns="91424" rIns="91424" bIns="91424" numCol="1" anchor="ctr">
-              <a:spAutoFit/>
-            </a:bodyPr>
-            <a:lstStyle>
-              <a:lvl1pPr algn="ctr">
-                <a:defRPr>
-                  <a:solidFill>
-                    <a:srgbClr val="666666"/>
-                  </a:solidFill>
-                </a:defRPr>
-              </a:lvl1pPr>
-            </a:lstStyle>
-            <a:p>
-              <a:pPr/>
-              <a:r>
-                <a:t>Place any supporting images, graphs, data or extra text here.</a:t>
-              </a:r>
-            </a:p>
-          </p:txBody>
-        </p:sp>
-      </p:grpSp>
       <p:sp>
         <p:nvSpPr>
           <p:cNvPr id="137" name="Note: The data and information in this document is reflective of a hypothetical situation and client. This document is to be used for KPMG Virtual Internship purposes only."/>
@@ -4182,7 +4261,7 @@
           </a:ln>
           <a:extLst>
             <a:ext uri="{C572A759-6A51-4108-AA02-DFA0A04FC94B}">
-              <ma14:wrappingTextBoxFlag xmlns:ma14="http://schemas.microsoft.com/office/mac/drawingml/2011/main" val="1"/>
+              <ma14:wrappingTextBoxFlag xmlns="" xmlns:ma14="http://schemas.microsoft.com/office/mac/drawingml/2011/main" val="1"/>
             </a:ext>
           </a:extLst>
         </p:spPr>
@@ -4191,7 +4270,7 @@
           <a:lstStyle/>
           <a:p>
             <a:pPr defTabSz="457200">
-              <a:defRPr b="1" sz="500">
+              <a:defRPr sz="500" b="1">
                 <a:latin typeface="Calibri"/>
                 <a:ea typeface="Calibri"/>
                 <a:cs typeface="Calibri"/>
@@ -4213,12 +4292,12 @@
   <p:clrMapOvr>
     <a:masterClrMapping/>
   </p:clrMapOvr>
-  <p:transition xmlns:p14="http://schemas.microsoft.com/office/powerpoint/2010/main" spd="med" advClick="1"/>
+  <p:transition spd="med"/>
 </p:sld>
 </file>
 
 <file path=ppt/slides/slide5.xml><?xml version="1.0" encoding="utf-8"?>
-<p:sld xmlns:a="http://schemas.openxmlformats.org/drawingml/2006/main" xmlns:r="http://schemas.openxmlformats.org/officeDocument/2006/relationships" xmlns:p="http://schemas.openxmlformats.org/presentationml/2006/main" showMasterSp="1" showMasterPhAnim="1">
+<p:sld xmlns:a="http://schemas.openxmlformats.org/drawingml/2006/main" xmlns:r="http://schemas.openxmlformats.org/officeDocument/2006/relationships" xmlns:p="http://schemas.openxmlformats.org/presentationml/2006/main">
   <p:cSld>
     <p:spTree>
       <p:nvGrpSpPr>
@@ -4267,7 +4346,7 @@
           <a:bodyPr lIns="45719" rIns="45719" anchor="ctr"/>
           <a:lstStyle/>
           <a:p>
-            <a:pPr/>
+            <a:endParaRPr/>
           </a:p>
         </p:txBody>
       </p:sp>
@@ -4290,7 +4369,7 @@
           </a:ln>
           <a:extLst>
             <a:ext uri="{C572A759-6A51-4108-AA02-DFA0A04FC94B}">
-              <ma14:wrappingTextBoxFlag xmlns:ma14="http://schemas.microsoft.com/office/mac/drawingml/2011/main" val="1"/>
+              <ma14:wrappingTextBoxFlag xmlns="" xmlns:ma14="http://schemas.microsoft.com/office/mac/drawingml/2011/main" val="1"/>
             </a:ext>
           </a:extLst>
         </p:spPr>
@@ -4300,7 +4379,7 @@
           </a:bodyPr>
           <a:lstStyle>
             <a:lvl1pPr>
-              <a:defRPr b="1" sz="2000">
+              <a:defRPr sz="2000" b="1">
                 <a:solidFill>
                   <a:srgbClr val="FFFFFF"/>
                 </a:solidFill>
@@ -4308,7 +4387,6 @@
             </a:lvl1pPr>
           </a:lstStyle>
           <a:p>
-            <a:pPr/>
             <a:r>
               <a:t>Model Development</a:t>
             </a:r>
@@ -4324,7 +4402,7 @@
         <p:spPr>
           <a:xfrm>
             <a:off x="205025" y="1083299"/>
-            <a:ext cx="8565600" cy="920086"/>
+            <a:ext cx="8565600" cy="516327"/>
           </a:xfrm>
           <a:prstGeom prst="rect">
             <a:avLst/>
@@ -4334,7 +4412,7 @@
           </a:ln>
           <a:extLst>
             <a:ext uri="{C572A759-6A51-4108-AA02-DFA0A04FC94B}">
-              <ma14:wrappingTextBoxFlag xmlns:ma14="http://schemas.microsoft.com/office/mac/drawingml/2011/main" val="1"/>
+              <ma14:wrappingTextBoxFlag xmlns="" xmlns:ma14="http://schemas.microsoft.com/office/mac/drawingml/2011/main" val="1"/>
             </a:ext>
           </a:extLst>
         </p:spPr>
@@ -4347,7 +4425,7 @@
               <a:lnSpc>
                 <a:spcPct val="115000"/>
               </a:lnSpc>
-              <a:defRPr b="1" sz="2000">
+              <a:defRPr sz="2000" b="1">
                 <a:latin typeface="Open Sans"/>
                 <a:ea typeface="Open Sans"/>
                 <a:cs typeface="Open Sans"/>
@@ -4356,10 +4434,11 @@
             </a:lvl1pPr>
           </a:lstStyle>
           <a:p>
-            <a:pPr/>
-            <a:r>
-              <a:t>Place headline insight or information here. This should be the most important point for this slide.</a:t>
-            </a:r>
+            <a:r>
+              <a:rPr lang="en-US" dirty="0"/>
+              <a:t>Using an iterative process to test, and build the model.</a:t>
+            </a:r>
+            <a:endParaRPr dirty="0"/>
           </a:p>
         </p:txBody>
       </p:sp>
@@ -4371,8 +4450,8 @@
         </p:nvSpPr>
         <p:spPr>
           <a:xfrm>
-            <a:off x="205025" y="2164724"/>
-            <a:ext cx="4134600" cy="436851"/>
+            <a:off x="205025" y="2017013"/>
+            <a:ext cx="4134600" cy="2557014"/>
           </a:xfrm>
           <a:prstGeom prst="rect">
             <a:avLst/>
@@ -4382,7 +4461,7 @@
           </a:ln>
           <a:extLst>
             <a:ext uri="{C572A759-6A51-4108-AA02-DFA0A04FC94B}">
-              <ma14:wrappingTextBoxFlag xmlns:ma14="http://schemas.microsoft.com/office/mac/drawingml/2011/main" val="1"/>
+              <ma14:wrappingTextBoxFlag xmlns="" xmlns:ma14="http://schemas.microsoft.com/office/mac/drawingml/2011/main" val="1"/>
             </a:ext>
           </a:extLst>
         </p:spPr>
@@ -4404,114 +4483,46 @@
             </a:lvl1pPr>
           </a:lstStyle>
           <a:p>
-            <a:pPr/>
-            <a:r>
-              <a:t>Place any information about this point here.</a:t>
-            </a:r>
+            <a:r>
+              <a:rPr lang="en-US" dirty="0"/>
+              <a:t>We are going to ensure an accurate format of the date and create an age column to get a calculated age field for the purpose of data modeling.</a:t>
+            </a:r>
+          </a:p>
+          <a:p>
+            <a:endParaRPr lang="en-US" dirty="0"/>
+          </a:p>
+          <a:p>
+            <a:r>
+              <a:rPr lang="en-US" dirty="0"/>
+              <a:t>Also, we are going to build and test the model in Python using </a:t>
+            </a:r>
+            <a:r>
+              <a:rPr lang="en-US" b="0" dirty="0" err="1">
+                <a:solidFill>
+                  <a:schemeClr val="tx1"/>
+                </a:solidFill>
+                <a:effectLst/>
+                <a:latin typeface="Consolas" panose="020B0609020204030204" pitchFamily="49" charset="0"/>
+              </a:rPr>
+              <a:t>SelectKBest</a:t>
+            </a:r>
+            <a:endParaRPr lang="en-US" b="0" dirty="0">
+              <a:solidFill>
+                <a:schemeClr val="tx1"/>
+              </a:solidFill>
+              <a:effectLst/>
+              <a:latin typeface="Consolas" panose="020B0609020204030204" pitchFamily="49" charset="0"/>
+            </a:endParaRPr>
+          </a:p>
+          <a:p>
+            <a:r>
+              <a:rPr lang="en-US" dirty="0"/>
+              <a:t>and chi2 to ascertain the model’s performance.</a:t>
+            </a:r>
+            <a:endParaRPr dirty="0"/>
           </a:p>
         </p:txBody>
       </p:sp>
-      <p:grpSp>
-        <p:nvGrpSpPr>
-          <p:cNvPr id="145" name="Shape 92"/>
-          <p:cNvGrpSpPr/>
-          <p:nvPr/>
-        </p:nvGrpSpPr>
-        <p:grpSpPr>
-          <a:xfrm>
-            <a:off x="4969974" y="2164724"/>
-            <a:ext cx="3800702" cy="2649302"/>
-            <a:chOff x="0" y="0"/>
-            <a:chExt cx="3800700" cy="2649300"/>
-          </a:xfrm>
-        </p:grpSpPr>
-        <p:sp>
-          <p:nvSpPr>
-            <p:cNvPr id="143" name="Rectangle"/>
-            <p:cNvSpPr/>
-            <p:nvPr/>
-          </p:nvSpPr>
-          <p:spPr>
-            <a:xfrm>
-              <a:off x="-1" y="-1"/>
-              <a:ext cx="3800702" cy="2649302"/>
-            </a:xfrm>
-            <a:prstGeom prst="rect">
-              <a:avLst/>
-            </a:prstGeom>
-            <a:solidFill>
-              <a:srgbClr val="EEEEEE"/>
-            </a:solidFill>
-            <a:ln w="12700" cap="flat">
-              <a:noFill/>
-              <a:miter lim="400000"/>
-            </a:ln>
-            <a:effectLst/>
-          </p:spPr>
-          <p:txBody>
-            <a:bodyPr wrap="square" lIns="45719" tIns="45719" rIns="45719" bIns="45719" numCol="1" anchor="ctr">
-              <a:noAutofit/>
-            </a:bodyPr>
-            <a:lstStyle/>
-            <a:p>
-              <a:pPr algn="ctr">
-                <a:defRPr>
-                  <a:solidFill>
-                    <a:srgbClr val="666666"/>
-                  </a:solidFill>
-                </a:defRPr>
-              </a:pPr>
-            </a:p>
-          </p:txBody>
-        </p:sp>
-        <p:sp>
-          <p:nvSpPr>
-            <p:cNvPr id="144" name="Place any supporting images, graphs, data or extra text here."/>
-            <p:cNvSpPr/>
-            <p:nvPr/>
-          </p:nvSpPr>
-          <p:spPr>
-            <a:xfrm>
-              <a:off x="-1" y="1032933"/>
-              <a:ext cx="3800702" cy="583434"/>
-            </a:xfrm>
-            <a:prstGeom prst="rect">
-              <a:avLst/>
-            </a:prstGeom>
-            <a:noFill/>
-            <a:ln w="12700" cap="flat">
-              <a:noFill/>
-              <a:miter lim="400000"/>
-            </a:ln>
-            <a:effectLst/>
-            <a:extLst>
-              <a:ext uri="{C572A759-6A51-4108-AA02-DFA0A04FC94B}">
-                <ma14:wrappingTextBoxFlag xmlns:ma14="http://schemas.microsoft.com/office/mac/drawingml/2011/main" val="1"/>
-              </a:ext>
-            </a:extLst>
-          </p:spPr>
-          <p:txBody>
-            <a:bodyPr wrap="square" lIns="91424" tIns="91424" rIns="91424" bIns="91424" numCol="1" anchor="ctr">
-              <a:spAutoFit/>
-            </a:bodyPr>
-            <a:lstStyle>
-              <a:lvl1pPr algn="ctr">
-                <a:defRPr>
-                  <a:solidFill>
-                    <a:srgbClr val="666666"/>
-                  </a:solidFill>
-                </a:defRPr>
-              </a:lvl1pPr>
-            </a:lstStyle>
-            <a:p>
-              <a:pPr/>
-              <a:r>
-                <a:t>Place any supporting images, graphs, data or extra text here.</a:t>
-              </a:r>
-            </a:p>
-          </p:txBody>
-        </p:sp>
-      </p:grpSp>
       <p:sp>
         <p:nvSpPr>
           <p:cNvPr id="146" name="Note: The data and information in this document is reflective of a hypothetical situation and client. This document is to be used for KPMG Virtual Internship purposes only."/>
@@ -4534,7 +4545,7 @@
           </a:ln>
           <a:extLst>
             <a:ext uri="{C572A759-6A51-4108-AA02-DFA0A04FC94B}">
-              <ma14:wrappingTextBoxFlag xmlns:ma14="http://schemas.microsoft.com/office/mac/drawingml/2011/main" val="1"/>
+              <ma14:wrappingTextBoxFlag xmlns="" xmlns:ma14="http://schemas.microsoft.com/office/mac/drawingml/2011/main" val="1"/>
             </a:ext>
           </a:extLst>
         </p:spPr>
@@ -4543,7 +4554,7 @@
           <a:lstStyle/>
           <a:p>
             <a:pPr defTabSz="457200">
-              <a:defRPr b="1" sz="500">
+              <a:defRPr sz="500" b="1">
                 <a:latin typeface="Calibri"/>
                 <a:ea typeface="Calibri"/>
                 <a:cs typeface="Calibri"/>
@@ -4565,12 +4576,12 @@
   <p:clrMapOvr>
     <a:masterClrMapping/>
   </p:clrMapOvr>
-  <p:transition xmlns:p14="http://schemas.microsoft.com/office/powerpoint/2010/main" spd="med" advClick="1"/>
+  <p:transition spd="med"/>
 </p:sld>
 </file>
 
 <file path=ppt/slides/slide6.xml><?xml version="1.0" encoding="utf-8"?>
-<p:sld xmlns:a="http://schemas.openxmlformats.org/drawingml/2006/main" xmlns:r="http://schemas.openxmlformats.org/officeDocument/2006/relationships" xmlns:p="http://schemas.openxmlformats.org/presentationml/2006/main" showMasterSp="1" showMasterPhAnim="1">
+<p:sld xmlns:a="http://schemas.openxmlformats.org/drawingml/2006/main" xmlns:r="http://schemas.openxmlformats.org/officeDocument/2006/relationships" xmlns:p="http://schemas.openxmlformats.org/presentationml/2006/main">
   <p:cSld>
     <p:spTree>
       <p:nvGrpSpPr>
@@ -4619,7 +4630,7 @@
           <a:bodyPr lIns="45719" rIns="45719" anchor="ctr"/>
           <a:lstStyle/>
           <a:p>
-            <a:pPr/>
+            <a:endParaRPr/>
           </a:p>
         </p:txBody>
       </p:sp>
@@ -4642,7 +4653,7 @@
           </a:ln>
           <a:extLst>
             <a:ext uri="{C572A759-6A51-4108-AA02-DFA0A04FC94B}">
-              <ma14:wrappingTextBoxFlag xmlns:ma14="http://schemas.microsoft.com/office/mac/drawingml/2011/main" val="1"/>
+              <ma14:wrappingTextBoxFlag xmlns="" xmlns:ma14="http://schemas.microsoft.com/office/mac/drawingml/2011/main" val="1"/>
             </a:ext>
           </a:extLst>
         </p:spPr>
@@ -4652,7 +4663,7 @@
           </a:bodyPr>
           <a:lstStyle>
             <a:lvl1pPr>
-              <a:defRPr b="1" sz="2000">
+              <a:defRPr sz="2000" b="1">
                 <a:solidFill>
                   <a:srgbClr val="FFFFFF"/>
                 </a:solidFill>
@@ -4660,7 +4671,6 @@
             </a:lvl1pPr>
           </a:lstStyle>
           <a:p>
-            <a:pPr/>
             <a:r>
               <a:t>Interpretation</a:t>
             </a:r>
@@ -4676,7 +4686,7 @@
         <p:spPr>
           <a:xfrm>
             <a:off x="205025" y="1083299"/>
-            <a:ext cx="8565600" cy="920086"/>
+            <a:ext cx="8565600" cy="870271"/>
           </a:xfrm>
           <a:prstGeom prst="rect">
             <a:avLst/>
@@ -4686,7 +4696,7 @@
           </a:ln>
           <a:extLst>
             <a:ext uri="{C572A759-6A51-4108-AA02-DFA0A04FC94B}">
-              <ma14:wrappingTextBoxFlag xmlns:ma14="http://schemas.microsoft.com/office/mac/drawingml/2011/main" val="1"/>
+              <ma14:wrappingTextBoxFlag xmlns="" xmlns:ma14="http://schemas.microsoft.com/office/mac/drawingml/2011/main" val="1"/>
             </a:ext>
           </a:extLst>
         </p:spPr>
@@ -4699,7 +4709,7 @@
               <a:lnSpc>
                 <a:spcPct val="115000"/>
               </a:lnSpc>
-              <a:defRPr b="1" sz="2000">
+              <a:defRPr sz="2000" b="1">
                 <a:latin typeface="Open Sans"/>
                 <a:ea typeface="Open Sans"/>
                 <a:cs typeface="Open Sans"/>
@@ -4708,10 +4718,11 @@
             </a:lvl1pPr>
           </a:lstStyle>
           <a:p>
-            <a:pPr/>
-            <a:r>
-              <a:t>Place headline insight or information here. This should be the most important point for this slide.</a:t>
-            </a:r>
+            <a:r>
+              <a:rPr lang="en-US" dirty="0"/>
+              <a:t>At the end of data exploration and model development, here is a comprehensive explanation of the end-point.</a:t>
+            </a:r>
+            <a:endParaRPr dirty="0"/>
           </a:p>
         </p:txBody>
       </p:sp>
@@ -4723,8 +4734,8 @@
         </p:nvSpPr>
         <p:spPr>
           <a:xfrm>
-            <a:off x="205025" y="2164724"/>
-            <a:ext cx="4134600" cy="436851"/>
+            <a:off x="205025" y="2014153"/>
+            <a:ext cx="4134600" cy="1229728"/>
           </a:xfrm>
           <a:prstGeom prst="rect">
             <a:avLst/>
@@ -4734,7 +4745,7 @@
           </a:ln>
           <a:extLst>
             <a:ext uri="{C572A759-6A51-4108-AA02-DFA0A04FC94B}">
-              <ma14:wrappingTextBoxFlag xmlns:ma14="http://schemas.microsoft.com/office/mac/drawingml/2011/main" val="1"/>
+              <ma14:wrappingTextBoxFlag xmlns="" xmlns:ma14="http://schemas.microsoft.com/office/mac/drawingml/2011/main" val="1"/>
             </a:ext>
           </a:extLst>
         </p:spPr>
@@ -4756,114 +4767,16 @@
             </a:lvl1pPr>
           </a:lstStyle>
           <a:p>
-            <a:pPr/>
-            <a:r>
-              <a:t>Place any information about this point here.</a:t>
-            </a:r>
+            <a:r>
+              <a:rPr lang="en-US" dirty="0"/>
+              <a:t>This slide gives us an overall understanding of the business model through data visualization.</a:t>
+            </a:r>
+          </a:p>
+          <a:p>
+            <a:endParaRPr lang="en-US" dirty="0"/>
           </a:p>
         </p:txBody>
       </p:sp>
-      <p:grpSp>
-        <p:nvGrpSpPr>
-          <p:cNvPr id="154" name="Shape 101"/>
-          <p:cNvGrpSpPr/>
-          <p:nvPr/>
-        </p:nvGrpSpPr>
-        <p:grpSpPr>
-          <a:xfrm>
-            <a:off x="4969974" y="2164724"/>
-            <a:ext cx="3800702" cy="2649302"/>
-            <a:chOff x="0" y="0"/>
-            <a:chExt cx="3800700" cy="2649300"/>
-          </a:xfrm>
-        </p:grpSpPr>
-        <p:sp>
-          <p:nvSpPr>
-            <p:cNvPr id="152" name="Rectangle"/>
-            <p:cNvSpPr/>
-            <p:nvPr/>
-          </p:nvSpPr>
-          <p:spPr>
-            <a:xfrm>
-              <a:off x="-1" y="-1"/>
-              <a:ext cx="3800702" cy="2649302"/>
-            </a:xfrm>
-            <a:prstGeom prst="rect">
-              <a:avLst/>
-            </a:prstGeom>
-            <a:solidFill>
-              <a:srgbClr val="EEEEEE"/>
-            </a:solidFill>
-            <a:ln w="12700" cap="flat">
-              <a:noFill/>
-              <a:miter lim="400000"/>
-            </a:ln>
-            <a:effectLst/>
-          </p:spPr>
-          <p:txBody>
-            <a:bodyPr wrap="square" lIns="45719" tIns="45719" rIns="45719" bIns="45719" numCol="1" anchor="ctr">
-              <a:noAutofit/>
-            </a:bodyPr>
-            <a:lstStyle/>
-            <a:p>
-              <a:pPr algn="ctr">
-                <a:defRPr>
-                  <a:solidFill>
-                    <a:srgbClr val="666666"/>
-                  </a:solidFill>
-                </a:defRPr>
-              </a:pPr>
-            </a:p>
-          </p:txBody>
-        </p:sp>
-        <p:sp>
-          <p:nvSpPr>
-            <p:cNvPr id="153" name="Place any supporting images, graphs, data or extra text here."/>
-            <p:cNvSpPr/>
-            <p:nvPr/>
-          </p:nvSpPr>
-          <p:spPr>
-            <a:xfrm>
-              <a:off x="-1" y="1032933"/>
-              <a:ext cx="3800702" cy="583434"/>
-            </a:xfrm>
-            <a:prstGeom prst="rect">
-              <a:avLst/>
-            </a:prstGeom>
-            <a:noFill/>
-            <a:ln w="12700" cap="flat">
-              <a:noFill/>
-              <a:miter lim="400000"/>
-            </a:ln>
-            <a:effectLst/>
-            <a:extLst>
-              <a:ext uri="{C572A759-6A51-4108-AA02-DFA0A04FC94B}">
-                <ma14:wrappingTextBoxFlag xmlns:ma14="http://schemas.microsoft.com/office/mac/drawingml/2011/main" val="1"/>
-              </a:ext>
-            </a:extLst>
-          </p:spPr>
-          <p:txBody>
-            <a:bodyPr wrap="square" lIns="91424" tIns="91424" rIns="91424" bIns="91424" numCol="1" anchor="ctr">
-              <a:spAutoFit/>
-            </a:bodyPr>
-            <a:lstStyle>
-              <a:lvl1pPr algn="ctr">
-                <a:defRPr>
-                  <a:solidFill>
-                    <a:srgbClr val="666666"/>
-                  </a:solidFill>
-                </a:defRPr>
-              </a:lvl1pPr>
-            </a:lstStyle>
-            <a:p>
-              <a:pPr/>
-              <a:r>
-                <a:t>Place any supporting images, graphs, data or extra text here.</a:t>
-              </a:r>
-            </a:p>
-          </p:txBody>
-        </p:sp>
-      </p:grpSp>
       <p:sp>
         <p:nvSpPr>
           <p:cNvPr id="155" name="Note: The data and information in this document is reflective of a hypothetical situation and client. This document is to be used for KPMG Virtual Internship purposes only."/>
@@ -4886,7 +4799,7 @@
           </a:ln>
           <a:extLst>
             <a:ext uri="{C572A759-6A51-4108-AA02-DFA0A04FC94B}">
-              <ma14:wrappingTextBoxFlag xmlns:ma14="http://schemas.microsoft.com/office/mac/drawingml/2011/main" val="1"/>
+              <ma14:wrappingTextBoxFlag xmlns="" xmlns:ma14="http://schemas.microsoft.com/office/mac/drawingml/2011/main" val="1"/>
             </a:ext>
           </a:extLst>
         </p:spPr>
@@ -4895,7 +4808,7 @@
           <a:lstStyle/>
           <a:p>
             <a:pPr defTabSz="457200">
-              <a:defRPr b="1" sz="500">
+              <a:defRPr sz="500" b="1">
                 <a:latin typeface="Calibri"/>
                 <a:ea typeface="Calibri"/>
                 <a:cs typeface="Calibri"/>
@@ -4917,12 +4830,12 @@
   <p:clrMapOvr>
     <a:masterClrMapping/>
   </p:clrMapOvr>
-  <p:transition xmlns:p14="http://schemas.microsoft.com/office/powerpoint/2010/main" spd="med" advClick="1"/>
+  <p:transition spd="med"/>
 </p:sld>
 </file>
 
 <file path=ppt/slides/slide7.xml><?xml version="1.0" encoding="utf-8"?>
-<p:sld xmlns:a="http://schemas.openxmlformats.org/drawingml/2006/main" xmlns:r="http://schemas.openxmlformats.org/officeDocument/2006/relationships" xmlns:p="http://schemas.openxmlformats.org/presentationml/2006/main" showMasterSp="1" showMasterPhAnim="1">
+<p:sld xmlns:a="http://schemas.openxmlformats.org/drawingml/2006/main" xmlns:r="http://schemas.openxmlformats.org/officeDocument/2006/relationships" xmlns:p="http://schemas.openxmlformats.org/presentationml/2006/main">
   <p:cSld>
     <p:spTree>
       <p:nvGrpSpPr>
@@ -4945,7 +4858,7 @@
           <p:nvPr/>
         </p:nvSpPr>
         <p:spPr>
-          <a:xfrm flipH="1" rot="10800000">
+          <a:xfrm rot="10800000" flipH="1">
             <a:off x="-1" y="0"/>
             <a:ext cx="9163201" cy="5148001"/>
           </a:xfrm>
@@ -4969,7 +4882,7 @@
             </a:cxnLst>
             <a:rect l="0" t="0" r="r" b="b"/>
             <a:pathLst>
-              <a:path w="21600" h="21600" fill="norm" stroke="1" extrusionOk="0">
+              <a:path w="21600" h="21600" extrusionOk="0">
                 <a:moveTo>
                   <a:pt x="0" y="0"/>
                 </a:moveTo>
@@ -5008,7 +4921,7 @@
           <a:bodyPr lIns="45719" rIns="45719" anchor="ctr"/>
           <a:lstStyle/>
           <a:p>
-            <a:pPr/>
+            <a:endParaRPr/>
           </a:p>
         </p:txBody>
       </p:sp>
@@ -5031,7 +4944,7 @@
           </a:ln>
           <a:extLst>
             <a:ext uri="{C572A759-6A51-4108-AA02-DFA0A04FC94B}">
-              <ma14:wrappingTextBoxFlag xmlns:ma14="http://schemas.microsoft.com/office/mac/drawingml/2011/main" val="1"/>
+              <ma14:wrappingTextBoxFlag xmlns="" xmlns:ma14="http://schemas.microsoft.com/office/mac/drawingml/2011/main" val="1"/>
             </a:ext>
           </a:extLst>
         </p:spPr>
@@ -5053,7 +4966,6 @@
             </a:lvl1pPr>
           </a:lstStyle>
           <a:p>
-            <a:pPr/>
             <a:r>
               <a:t>Appendix</a:t>
             </a:r>
@@ -5082,7 +4994,7 @@
           </a:ln>
           <a:extLst>
             <a:ext uri="{C572A759-6A51-4108-AA02-DFA0A04FC94B}">
-              <ma14:wrappingTextBoxFlag xmlns:ma14="http://schemas.microsoft.com/office/mac/drawingml/2011/main" val="1"/>
+              <ma14:wrappingTextBoxFlag xmlns="" xmlns:ma14="http://schemas.microsoft.com/office/mac/drawingml/2011/main" val="1"/>
             </a:ext>
           </a:extLst>
         </p:spPr>
@@ -5091,7 +5003,7 @@
           <a:lstStyle/>
           <a:p>
             <a:pPr defTabSz="457200">
-              <a:defRPr b="1" sz="500">
+              <a:defRPr sz="500" b="1">
                 <a:latin typeface="Calibri"/>
                 <a:ea typeface="Calibri"/>
                 <a:cs typeface="Calibri"/>
@@ -5113,12 +5025,12 @@
   <p:clrMapOvr>
     <a:masterClrMapping/>
   </p:clrMapOvr>
-  <p:transition xmlns:p14="http://schemas.microsoft.com/office/powerpoint/2010/main" spd="med" advClick="1"/>
+  <p:transition spd="med"/>
 </p:sld>
 </file>
 
 <file path=ppt/slides/slide8.xml><?xml version="1.0" encoding="utf-8"?>
-<p:sld xmlns:a="http://schemas.openxmlformats.org/drawingml/2006/main" xmlns:r="http://schemas.openxmlformats.org/officeDocument/2006/relationships" xmlns:p="http://schemas.openxmlformats.org/presentationml/2006/main" showMasterSp="1" showMasterPhAnim="1">
+<p:sld xmlns:a="http://schemas.openxmlformats.org/drawingml/2006/main" xmlns:r="http://schemas.openxmlformats.org/officeDocument/2006/relationships" xmlns:p="http://schemas.openxmlformats.org/presentationml/2006/main">
   <p:cSld>
     <p:spTree>
       <p:nvGrpSpPr>
@@ -5167,7 +5079,7 @@
           <a:bodyPr lIns="45719" rIns="45719" anchor="ctr"/>
           <a:lstStyle/>
           <a:p>
-            <a:pPr/>
+            <a:endParaRPr/>
           </a:p>
         </p:txBody>
       </p:sp>
@@ -5190,7 +5102,7 @@
           </a:ln>
           <a:extLst>
             <a:ext uri="{C572A759-6A51-4108-AA02-DFA0A04FC94B}">
-              <ma14:wrappingTextBoxFlag xmlns:ma14="http://schemas.microsoft.com/office/mac/drawingml/2011/main" val="1"/>
+              <ma14:wrappingTextBoxFlag xmlns="" xmlns:ma14="http://schemas.microsoft.com/office/mac/drawingml/2011/main" val="1"/>
             </a:ext>
           </a:extLst>
         </p:spPr>
@@ -5200,7 +5112,7 @@
           </a:bodyPr>
           <a:lstStyle>
             <a:lvl1pPr>
-              <a:defRPr b="1" sz="2000">
+              <a:defRPr sz="2000" b="1">
                 <a:solidFill>
                   <a:srgbClr val="FFFFFF"/>
                 </a:solidFill>
@@ -5208,7 +5120,6 @@
             </a:lvl1pPr>
           </a:lstStyle>
           <a:p>
-            <a:pPr/>
             <a:r>
               <a:t>Appendix</a:t>
             </a:r>
@@ -5234,7 +5145,7 @@
           </a:ln>
           <a:extLst>
             <a:ext uri="{C572A759-6A51-4108-AA02-DFA0A04FC94B}">
-              <ma14:wrappingTextBoxFlag xmlns:ma14="http://schemas.microsoft.com/office/mac/drawingml/2011/main" val="1"/>
+              <ma14:wrappingTextBoxFlag xmlns="" xmlns:ma14="http://schemas.microsoft.com/office/mac/drawingml/2011/main" val="1"/>
             </a:ext>
           </a:extLst>
         </p:spPr>
@@ -5247,7 +5158,7 @@
               <a:lnSpc>
                 <a:spcPct val="115000"/>
               </a:lnSpc>
-              <a:defRPr b="1" sz="2000">
+              <a:defRPr sz="2000" b="1">
                 <a:latin typeface="Open Sans"/>
                 <a:ea typeface="Open Sans"/>
                 <a:cs typeface="Open Sans"/>
@@ -5256,7 +5167,6 @@
             </a:lvl1pPr>
           </a:lstStyle>
           <a:p>
-            <a:pPr/>
             <a:r>
               <a:t>This is an optional slide where you may place any supporting items.</a:t>
             </a:r>
@@ -5285,7 +5195,7 @@
           </a:ln>
           <a:extLst>
             <a:ext uri="{C572A759-6A51-4108-AA02-DFA0A04FC94B}">
-              <ma14:wrappingTextBoxFlag xmlns:ma14="http://schemas.microsoft.com/office/mac/drawingml/2011/main" val="1"/>
+              <ma14:wrappingTextBoxFlag xmlns="" xmlns:ma14="http://schemas.microsoft.com/office/mac/drawingml/2011/main" val="1"/>
             </a:ext>
           </a:extLst>
         </p:spPr>
@@ -5294,7 +5204,7 @@
           <a:lstStyle/>
           <a:p>
             <a:pPr defTabSz="457200">
-              <a:defRPr b="1" sz="500">
+              <a:defRPr sz="500" b="1">
                 <a:latin typeface="Calibri"/>
                 <a:ea typeface="Calibri"/>
                 <a:cs typeface="Calibri"/>
@@ -5316,12 +5226,12 @@
   <p:clrMapOvr>
     <a:masterClrMapping/>
   </p:clrMapOvr>
-  <p:transition xmlns:p14="http://schemas.microsoft.com/office/powerpoint/2010/main" spd="med" advClick="1"/>
+  <p:transition spd="med"/>
 </p:sld>
 </file>
 
 <file path=ppt/theme/theme1.xml><?xml version="1.0" encoding="utf-8"?>
-<a:theme xmlns:a="http://schemas.openxmlformats.org/drawingml/2006/main" xmlns:r="http://schemas.openxmlformats.org/officeDocument/2006/relationships" name="Simple Light">
+<a:theme xmlns:a="http://schemas.openxmlformats.org/drawingml/2006/main" name="Simple Light">
   <a:themeElements>
     <a:clrScheme name="Simple Light">
       <a:dk1>
@@ -5447,7 +5357,7 @@
       <a:effectStyleLst>
         <a:effectStyle>
           <a:effectLst>
-            <a:outerShdw sx="100000" sy="100000" kx="0" ky="0" algn="b" rotWithShape="0" blurRad="38100" dist="23000" dir="5400000">
+            <a:outerShdw blurRad="38100" dist="23000" dir="5400000" rotWithShape="0">
               <a:srgbClr val="000000">
                 <a:alpha val="35000"/>
               </a:srgbClr>
@@ -5456,7 +5366,7 @@
         </a:effectStyle>
         <a:effectStyle>
           <a:effectLst>
-            <a:outerShdw sx="100000" sy="100000" kx="0" ky="0" algn="b" rotWithShape="0" blurRad="38100" dist="23000" dir="5400000">
+            <a:outerShdw blurRad="38100" dist="23000" dir="5400000" rotWithShape="0">
               <a:srgbClr val="000000">
                 <a:alpha val="35000"/>
               </a:srgbClr>
@@ -5465,7 +5375,7 @@
         </a:effectStyle>
         <a:effectStyle>
           <a:effectLst>
-            <a:outerShdw sx="100000" sy="100000" kx="0" ky="0" algn="b" rotWithShape="0" blurRad="38100" dist="20000" dir="5400000">
+            <a:outerShdw blurRad="38100" dist="20000" dir="5400000" rotWithShape="0">
               <a:srgbClr val="000000">
                 <a:alpha val="38000"/>
               </a:srgbClr>
@@ -5539,7 +5449,7 @@
           <a:round/>
         </a:ln>
         <a:effectLst>
-          <a:outerShdw sx="100000" sy="100000" kx="0" ky="0" algn="b" rotWithShape="0" blurRad="38100" dist="23000" dir="5400000">
+          <a:outerShdw blurRad="38100" dist="23000" dir="5400000" rotWithShape="0">
             <a:srgbClr val="000000">
               <a:alpha val="35000"/>
             </a:srgbClr>
@@ -5547,7 +5457,7 @@
         </a:effectLst>
         <a:sp3d/>
       </a:spPr>
-      <a:bodyPr rot="0" spcFirstLastPara="1" vertOverflow="overflow" horzOverflow="overflow" vert="horz" wrap="square" lIns="45719" tIns="45719" rIns="45719" bIns="45719" numCol="1" spcCol="38100" rtlCol="0" anchor="ctr" upright="0">
+      <a:bodyPr rot="0" spcFirstLastPara="1" vertOverflow="overflow" horzOverflow="overflow" vert="horz" wrap="square" lIns="45719" tIns="45719" rIns="45719" bIns="45719" numCol="1" spcCol="38100" rtlCol="0" anchor="ctr">
         <a:spAutoFit/>
       </a:bodyPr>
       <a:lstStyle>
@@ -5566,7 +5476,7 @@
           <a:buFontTx/>
           <a:buNone/>
           <a:tabLst/>
-          <a:defRPr b="0" baseline="0" cap="none" i="0" spc="0" strike="noStrike" sz="1400" u="none" kumimoji="0" normalizeH="0">
+          <a:defRPr kumimoji="0" sz="1400" b="0" i="0" u="none" strike="noStrike" cap="none" spc="0" normalizeH="0" baseline="0">
             <a:ln>
               <a:noFill/>
             </a:ln>
@@ -5596,7 +5506,7 @@
           <a:buFontTx/>
           <a:buNone/>
           <a:tabLst/>
-          <a:defRPr b="0" baseline="0" cap="none" i="0" spc="0" strike="noStrike" sz="1800" u="none" kumimoji="0" normalizeH="0">
+          <a:defRPr kumimoji="0" sz="1800" b="0" i="0" u="none" strike="noStrike" cap="none" spc="0" normalizeH="0" baseline="0">
             <a:ln>
               <a:noFill/>
             </a:ln>
@@ -5622,7 +5532,7 @@
           <a:buFontTx/>
           <a:buNone/>
           <a:tabLst/>
-          <a:defRPr b="0" baseline="0" cap="none" i="0" spc="0" strike="noStrike" sz="1800" u="none" kumimoji="0" normalizeH="0">
+          <a:defRPr kumimoji="0" sz="1800" b="0" i="0" u="none" strike="noStrike" cap="none" spc="0" normalizeH="0" baseline="0">
             <a:ln>
               <a:noFill/>
             </a:ln>
@@ -5648,7 +5558,7 @@
           <a:buFontTx/>
           <a:buNone/>
           <a:tabLst/>
-          <a:defRPr b="0" baseline="0" cap="none" i="0" spc="0" strike="noStrike" sz="1800" u="none" kumimoji="0" normalizeH="0">
+          <a:defRPr kumimoji="0" sz="1800" b="0" i="0" u="none" strike="noStrike" cap="none" spc="0" normalizeH="0" baseline="0">
             <a:ln>
               <a:noFill/>
             </a:ln>
@@ -5674,7 +5584,7 @@
           <a:buFontTx/>
           <a:buNone/>
           <a:tabLst/>
-          <a:defRPr b="0" baseline="0" cap="none" i="0" spc="0" strike="noStrike" sz="1800" u="none" kumimoji="0" normalizeH="0">
+          <a:defRPr kumimoji="0" sz="1800" b="0" i="0" u="none" strike="noStrike" cap="none" spc="0" normalizeH="0" baseline="0">
             <a:ln>
               <a:noFill/>
             </a:ln>
@@ -5700,7 +5610,7 @@
           <a:buFontTx/>
           <a:buNone/>
           <a:tabLst/>
-          <a:defRPr b="0" baseline="0" cap="none" i="0" spc="0" strike="noStrike" sz="1800" u="none" kumimoji="0" normalizeH="0">
+          <a:defRPr kumimoji="0" sz="1800" b="0" i="0" u="none" strike="noStrike" cap="none" spc="0" normalizeH="0" baseline="0">
             <a:ln>
               <a:noFill/>
             </a:ln>
@@ -5726,7 +5636,7 @@
           <a:buFontTx/>
           <a:buNone/>
           <a:tabLst/>
-          <a:defRPr b="0" baseline="0" cap="none" i="0" spc="0" strike="noStrike" sz="1800" u="none" kumimoji="0" normalizeH="0">
+          <a:defRPr kumimoji="0" sz="1800" b="0" i="0" u="none" strike="noStrike" cap="none" spc="0" normalizeH="0" baseline="0">
             <a:ln>
               <a:noFill/>
             </a:ln>
@@ -5752,7 +5662,7 @@
           <a:buFontTx/>
           <a:buNone/>
           <a:tabLst/>
-          <a:defRPr b="0" baseline="0" cap="none" i="0" spc="0" strike="noStrike" sz="1800" u="none" kumimoji="0" normalizeH="0">
+          <a:defRPr kumimoji="0" sz="1800" b="0" i="0" u="none" strike="noStrike" cap="none" spc="0" normalizeH="0" baseline="0">
             <a:ln>
               <a:noFill/>
             </a:ln>
@@ -5778,7 +5688,7 @@
           <a:buFontTx/>
           <a:buNone/>
           <a:tabLst/>
-          <a:defRPr b="0" baseline="0" cap="none" i="0" spc="0" strike="noStrike" sz="1800" u="none" kumimoji="0" normalizeH="0">
+          <a:defRPr kumimoji="0" sz="1800" b="0" i="0" u="none" strike="noStrike" cap="none" spc="0" normalizeH="0" baseline="0">
             <a:ln>
               <a:noFill/>
             </a:ln>
@@ -5804,7 +5714,7 @@
           <a:buFontTx/>
           <a:buNone/>
           <a:tabLst/>
-          <a:defRPr b="0" baseline="0" cap="none" i="0" spc="0" strike="noStrike" sz="1800" u="none" kumimoji="0" normalizeH="0">
+          <a:defRPr kumimoji="0" sz="1800" b="0" i="0" u="none" strike="noStrike" cap="none" spc="0" normalizeH="0" baseline="0">
             <a:ln>
               <a:noFill/>
             </a:ln>
@@ -5817,9 +5727,15 @@
         </a:lvl9pPr>
       </a:lstStyle>
       <a:style>
-        <a:lnRef idx="0"/>
-        <a:fillRef idx="0"/>
-        <a:effectRef idx="0"/>
+        <a:lnRef idx="0">
+          <a:scrgbClr r="0" g="0" b="0"/>
+        </a:lnRef>
+        <a:fillRef idx="0">
+          <a:scrgbClr r="0" g="0" b="0"/>
+        </a:fillRef>
+        <a:effectRef idx="0">
+          <a:scrgbClr r="0" g="0" b="0"/>
+        </a:effectRef>
         <a:fontRef idx="none"/>
       </a:style>
     </a:spDef>
@@ -5834,7 +5750,7 @@
           <a:round/>
         </a:ln>
         <a:effectLst>
-          <a:outerShdw sx="100000" sy="100000" kx="0" ky="0" algn="b" rotWithShape="0" blurRad="38100" dist="20000" dir="5400000">
+          <a:outerShdw blurRad="38100" dist="20000" dir="5400000" rotWithShape="0">
             <a:srgbClr val="000000">
               <a:alpha val="38000"/>
             </a:srgbClr>
@@ -5842,7 +5758,7 @@
         </a:effectLst>
         <a:sp3d/>
       </a:spPr>
-      <a:bodyPr rot="0" spcFirstLastPara="1" vertOverflow="overflow" horzOverflow="overflow" vert="horz" wrap="square" lIns="91439" tIns="45719" rIns="91439" bIns="45719" numCol="1" spcCol="38100" rtlCol="0" anchor="t" upright="0">
+      <a:bodyPr rot="0" spcFirstLastPara="1" vertOverflow="overflow" horzOverflow="overflow" vert="horz" wrap="square" lIns="91439" tIns="45719" rIns="91439" bIns="45719" numCol="1" spcCol="38100" rtlCol="0" anchor="t">
         <a:noAutofit/>
       </a:bodyPr>
       <a:lstStyle>
@@ -5861,7 +5777,7 @@
           <a:buFontTx/>
           <a:buNone/>
           <a:tabLst/>
-          <a:defRPr b="0" baseline="0" cap="none" i="0" spc="0" strike="noStrike" sz="1800" u="none" kumimoji="0" normalizeH="0">
+          <a:defRPr kumimoji="0" sz="1800" b="0" i="0" u="none" strike="noStrike" cap="none" spc="0" normalizeH="0" baseline="0">
             <a:ln>
               <a:noFill/>
             </a:ln>
@@ -5887,7 +5803,7 @@
           <a:buFontTx/>
           <a:buNone/>
           <a:tabLst/>
-          <a:defRPr b="0" baseline="0" cap="none" i="0" spc="0" strike="noStrike" sz="1800" u="none" kumimoji="0" normalizeH="0">
+          <a:defRPr kumimoji="0" sz="1800" b="0" i="0" u="none" strike="noStrike" cap="none" spc="0" normalizeH="0" baseline="0">
             <a:ln>
               <a:noFill/>
             </a:ln>
@@ -5913,7 +5829,7 @@
           <a:buFontTx/>
           <a:buNone/>
           <a:tabLst/>
-          <a:defRPr b="0" baseline="0" cap="none" i="0" spc="0" strike="noStrike" sz="1800" u="none" kumimoji="0" normalizeH="0">
+          <a:defRPr kumimoji="0" sz="1800" b="0" i="0" u="none" strike="noStrike" cap="none" spc="0" normalizeH="0" baseline="0">
             <a:ln>
               <a:noFill/>
             </a:ln>
@@ -5939,7 +5855,7 @@
           <a:buFontTx/>
           <a:buNone/>
           <a:tabLst/>
-          <a:defRPr b="0" baseline="0" cap="none" i="0" spc="0" strike="noStrike" sz="1800" u="none" kumimoji="0" normalizeH="0">
+          <a:defRPr kumimoji="0" sz="1800" b="0" i="0" u="none" strike="noStrike" cap="none" spc="0" normalizeH="0" baseline="0">
             <a:ln>
               <a:noFill/>
             </a:ln>
@@ -5965,7 +5881,7 @@
           <a:buFontTx/>
           <a:buNone/>
           <a:tabLst/>
-          <a:defRPr b="0" baseline="0" cap="none" i="0" spc="0" strike="noStrike" sz="1800" u="none" kumimoji="0" normalizeH="0">
+          <a:defRPr kumimoji="0" sz="1800" b="0" i="0" u="none" strike="noStrike" cap="none" spc="0" normalizeH="0" baseline="0">
             <a:ln>
               <a:noFill/>
             </a:ln>
@@ -5991,7 +5907,7 @@
           <a:buFontTx/>
           <a:buNone/>
           <a:tabLst/>
-          <a:defRPr b="0" baseline="0" cap="none" i="0" spc="0" strike="noStrike" sz="1800" u="none" kumimoji="0" normalizeH="0">
+          <a:defRPr kumimoji="0" sz="1800" b="0" i="0" u="none" strike="noStrike" cap="none" spc="0" normalizeH="0" baseline="0">
             <a:ln>
               <a:noFill/>
             </a:ln>
@@ -6017,7 +5933,7 @@
           <a:buFontTx/>
           <a:buNone/>
           <a:tabLst/>
-          <a:defRPr b="0" baseline="0" cap="none" i="0" spc="0" strike="noStrike" sz="1800" u="none" kumimoji="0" normalizeH="0">
+          <a:defRPr kumimoji="0" sz="1800" b="0" i="0" u="none" strike="noStrike" cap="none" spc="0" normalizeH="0" baseline="0">
             <a:ln>
               <a:noFill/>
             </a:ln>
@@ -6043,7 +5959,7 @@
           <a:buFontTx/>
           <a:buNone/>
           <a:tabLst/>
-          <a:defRPr b="0" baseline="0" cap="none" i="0" spc="0" strike="noStrike" sz="1800" u="none" kumimoji="0" normalizeH="0">
+          <a:defRPr kumimoji="0" sz="1800" b="0" i="0" u="none" strike="noStrike" cap="none" spc="0" normalizeH="0" baseline="0">
             <a:ln>
               <a:noFill/>
             </a:ln>
@@ -6069,7 +5985,7 @@
           <a:buFontTx/>
           <a:buNone/>
           <a:tabLst/>
-          <a:defRPr b="0" baseline="0" cap="none" i="0" spc="0" strike="noStrike" sz="1800" u="none" kumimoji="0" normalizeH="0">
+          <a:defRPr kumimoji="0" sz="1800" b="0" i="0" u="none" strike="noStrike" cap="none" spc="0" normalizeH="0" baseline="0">
             <a:ln>
               <a:noFill/>
             </a:ln>
@@ -6095,7 +6011,7 @@
           <a:buFontTx/>
           <a:buNone/>
           <a:tabLst/>
-          <a:defRPr b="0" baseline="0" cap="none" i="0" spc="0" strike="noStrike" sz="1800" u="none" kumimoji="0" normalizeH="0">
+          <a:defRPr kumimoji="0" sz="1800" b="0" i="0" u="none" strike="noStrike" cap="none" spc="0" normalizeH="0" baseline="0">
             <a:ln>
               <a:noFill/>
             </a:ln>
@@ -6108,9 +6024,15 @@
         </a:lvl9pPr>
       </a:lstStyle>
       <a:style>
-        <a:lnRef idx="0"/>
-        <a:fillRef idx="0"/>
-        <a:effectRef idx="0"/>
+        <a:lnRef idx="0">
+          <a:scrgbClr r="0" g="0" b="0"/>
+        </a:lnRef>
+        <a:fillRef idx="0">
+          <a:scrgbClr r="0" g="0" b="0"/>
+        </a:fillRef>
+        <a:effectRef idx="0">
+          <a:scrgbClr r="0" g="0" b="0"/>
+        </a:effectRef>
         <a:fontRef idx="none"/>
       </a:style>
     </a:lnDef>
@@ -6124,7 +6046,7 @@
         <a:effectLst/>
         <a:sp3d/>
       </a:spPr>
-      <a:bodyPr rot="0" spcFirstLastPara="1" vertOverflow="overflow" horzOverflow="overflow" vert="horz" wrap="square" lIns="45719" tIns="45719" rIns="45719" bIns="45719" numCol="1" spcCol="38100" rtlCol="0" anchor="t" upright="0">
+      <a:bodyPr rot="0" spcFirstLastPara="1" vertOverflow="overflow" horzOverflow="overflow" vert="horz" wrap="square" lIns="45719" tIns="45719" rIns="45719" bIns="45719" numCol="1" spcCol="38100" rtlCol="0" anchor="t">
         <a:spAutoFit/>
       </a:bodyPr>
       <a:lstStyle>
@@ -6143,7 +6065,7 @@
           <a:buFontTx/>
           <a:buNone/>
           <a:tabLst/>
-          <a:defRPr b="0" baseline="0" cap="none" i="0" spc="0" strike="noStrike" sz="1400" u="none" kumimoji="0" normalizeH="0">
+          <a:defRPr kumimoji="0" sz="1400" b="0" i="0" u="none" strike="noStrike" cap="none" spc="0" normalizeH="0" baseline="0">
             <a:ln>
               <a:noFill/>
             </a:ln>
@@ -6173,7 +6095,7 @@
           <a:buFontTx/>
           <a:buNone/>
           <a:tabLst/>
-          <a:defRPr b="0" baseline="0" cap="none" i="0" spc="0" strike="noStrike" sz="1800" u="none" kumimoji="0" normalizeH="0">
+          <a:defRPr kumimoji="0" sz="1800" b="0" i="0" u="none" strike="noStrike" cap="none" spc="0" normalizeH="0" baseline="0">
             <a:ln>
               <a:noFill/>
             </a:ln>
@@ -6199,7 +6121,7 @@
           <a:buFontTx/>
           <a:buNone/>
           <a:tabLst/>
-          <a:defRPr b="0" baseline="0" cap="none" i="0" spc="0" strike="noStrike" sz="1800" u="none" kumimoji="0" normalizeH="0">
+          <a:defRPr kumimoji="0" sz="1800" b="0" i="0" u="none" strike="noStrike" cap="none" spc="0" normalizeH="0" baseline="0">
             <a:ln>
               <a:noFill/>
             </a:ln>
@@ -6225,7 +6147,7 @@
           <a:buFontTx/>
           <a:buNone/>
           <a:tabLst/>
-          <a:defRPr b="0" baseline="0" cap="none" i="0" spc="0" strike="noStrike" sz="1800" u="none" kumimoji="0" normalizeH="0">
+          <a:defRPr kumimoji="0" sz="1800" b="0" i="0" u="none" strike="noStrike" cap="none" spc="0" normalizeH="0" baseline="0">
             <a:ln>
               <a:noFill/>
             </a:ln>
@@ -6251,7 +6173,7 @@
           <a:buFontTx/>
           <a:buNone/>
           <a:tabLst/>
-          <a:defRPr b="0" baseline="0" cap="none" i="0" spc="0" strike="noStrike" sz="1800" u="none" kumimoji="0" normalizeH="0">
+          <a:defRPr kumimoji="0" sz="1800" b="0" i="0" u="none" strike="noStrike" cap="none" spc="0" normalizeH="0" baseline="0">
             <a:ln>
               <a:noFill/>
             </a:ln>
@@ -6277,7 +6199,7 @@
           <a:buFontTx/>
           <a:buNone/>
           <a:tabLst/>
-          <a:defRPr b="0" baseline="0" cap="none" i="0" spc="0" strike="noStrike" sz="1800" u="none" kumimoji="0" normalizeH="0">
+          <a:defRPr kumimoji="0" sz="1800" b="0" i="0" u="none" strike="noStrike" cap="none" spc="0" normalizeH="0" baseline="0">
             <a:ln>
               <a:noFill/>
             </a:ln>
@@ -6303,7 +6225,7 @@
           <a:buFontTx/>
           <a:buNone/>
           <a:tabLst/>
-          <a:defRPr b="0" baseline="0" cap="none" i="0" spc="0" strike="noStrike" sz="1800" u="none" kumimoji="0" normalizeH="0">
+          <a:defRPr kumimoji="0" sz="1800" b="0" i="0" u="none" strike="noStrike" cap="none" spc="0" normalizeH="0" baseline="0">
             <a:ln>
               <a:noFill/>
             </a:ln>
@@ -6329,7 +6251,7 @@
           <a:buFontTx/>
           <a:buNone/>
           <a:tabLst/>
-          <a:defRPr b="0" baseline="0" cap="none" i="0" spc="0" strike="noStrike" sz="1800" u="none" kumimoji="0" normalizeH="0">
+          <a:defRPr kumimoji="0" sz="1800" b="0" i="0" u="none" strike="noStrike" cap="none" spc="0" normalizeH="0" baseline="0">
             <a:ln>
               <a:noFill/>
             </a:ln>
@@ -6355,7 +6277,7 @@
           <a:buFontTx/>
           <a:buNone/>
           <a:tabLst/>
-          <a:defRPr b="0" baseline="0" cap="none" i="0" spc="0" strike="noStrike" sz="1800" u="none" kumimoji="0" normalizeH="0">
+          <a:defRPr kumimoji="0" sz="1800" b="0" i="0" u="none" strike="noStrike" cap="none" spc="0" normalizeH="0" baseline="0">
             <a:ln>
               <a:noFill/>
             </a:ln>
@@ -6381,7 +6303,7 @@
           <a:buFontTx/>
           <a:buNone/>
           <a:tabLst/>
-          <a:defRPr b="0" baseline="0" cap="none" i="0" spc="0" strike="noStrike" sz="1800" u="none" kumimoji="0" normalizeH="0">
+          <a:defRPr kumimoji="0" sz="1800" b="0" i="0" u="none" strike="noStrike" cap="none" spc="0" normalizeH="0" baseline="0">
             <a:ln>
               <a:noFill/>
             </a:ln>
@@ -6394,18 +6316,25 @@
         </a:lvl9pPr>
       </a:lstStyle>
       <a:style>
-        <a:lnRef idx="0"/>
-        <a:fillRef idx="0"/>
-        <a:effectRef idx="0"/>
+        <a:lnRef idx="0">
+          <a:scrgbClr r="0" g="0" b="0"/>
+        </a:lnRef>
+        <a:fillRef idx="0">
+          <a:scrgbClr r="0" g="0" b="0"/>
+        </a:fillRef>
+        <a:effectRef idx="0">
+          <a:scrgbClr r="0" g="0" b="0"/>
+        </a:effectRef>
         <a:fontRef idx="none"/>
       </a:style>
     </a:txDef>
   </a:objectDefaults>
+  <a:extraClrSchemeLst/>
 </a:theme>
 </file>
 
 <file path=ppt/theme/theme2.xml><?xml version="1.0" encoding="utf-8"?>
-<a:theme xmlns:a="http://schemas.openxmlformats.org/drawingml/2006/main" xmlns:r="http://schemas.openxmlformats.org/officeDocument/2006/relationships" name="Simple Light">
+<a:theme xmlns:a="http://schemas.openxmlformats.org/drawingml/2006/main" name="Simple Light">
   <a:themeElements>
     <a:clrScheme name="Simple Light">
       <a:dk1>
@@ -6531,7 +6460,7 @@
       <a:effectStyleLst>
         <a:effectStyle>
           <a:effectLst>
-            <a:outerShdw sx="100000" sy="100000" kx="0" ky="0" algn="b" rotWithShape="0" blurRad="38100" dist="23000" dir="5400000">
+            <a:outerShdw blurRad="38100" dist="23000" dir="5400000" rotWithShape="0">
               <a:srgbClr val="000000">
                 <a:alpha val="35000"/>
               </a:srgbClr>
@@ -6540,7 +6469,7 @@
         </a:effectStyle>
         <a:effectStyle>
           <a:effectLst>
-            <a:outerShdw sx="100000" sy="100000" kx="0" ky="0" algn="b" rotWithShape="0" blurRad="38100" dist="23000" dir="5400000">
+            <a:outerShdw blurRad="38100" dist="23000" dir="5400000" rotWithShape="0">
               <a:srgbClr val="000000">
                 <a:alpha val="35000"/>
               </a:srgbClr>
@@ -6549,7 +6478,7 @@
         </a:effectStyle>
         <a:effectStyle>
           <a:effectLst>
-            <a:outerShdw sx="100000" sy="100000" kx="0" ky="0" algn="b" rotWithShape="0" blurRad="38100" dist="20000" dir="5400000">
+            <a:outerShdw blurRad="38100" dist="20000" dir="5400000" rotWithShape="0">
               <a:srgbClr val="000000">
                 <a:alpha val="38000"/>
               </a:srgbClr>
@@ -6623,7 +6552,7 @@
           <a:round/>
         </a:ln>
         <a:effectLst>
-          <a:outerShdw sx="100000" sy="100000" kx="0" ky="0" algn="b" rotWithShape="0" blurRad="38100" dist="23000" dir="5400000">
+          <a:outerShdw blurRad="38100" dist="23000" dir="5400000" rotWithShape="0">
             <a:srgbClr val="000000">
               <a:alpha val="35000"/>
             </a:srgbClr>
@@ -6631,7 +6560,7 @@
         </a:effectLst>
         <a:sp3d/>
       </a:spPr>
-      <a:bodyPr rot="0" spcFirstLastPara="1" vertOverflow="overflow" horzOverflow="overflow" vert="horz" wrap="square" lIns="45719" tIns="45719" rIns="45719" bIns="45719" numCol="1" spcCol="38100" rtlCol="0" anchor="ctr" upright="0">
+      <a:bodyPr rot="0" spcFirstLastPara="1" vertOverflow="overflow" horzOverflow="overflow" vert="horz" wrap="square" lIns="45719" tIns="45719" rIns="45719" bIns="45719" numCol="1" spcCol="38100" rtlCol="0" anchor="ctr">
         <a:spAutoFit/>
       </a:bodyPr>
       <a:lstStyle>
@@ -6650,7 +6579,7 @@
           <a:buFontTx/>
           <a:buNone/>
           <a:tabLst/>
-          <a:defRPr b="0" baseline="0" cap="none" i="0" spc="0" strike="noStrike" sz="1400" u="none" kumimoji="0" normalizeH="0">
+          <a:defRPr kumimoji="0" sz="1400" b="0" i="0" u="none" strike="noStrike" cap="none" spc="0" normalizeH="0" baseline="0">
             <a:ln>
               <a:noFill/>
             </a:ln>
@@ -6680,7 +6609,7 @@
           <a:buFontTx/>
           <a:buNone/>
           <a:tabLst/>
-          <a:defRPr b="0" baseline="0" cap="none" i="0" spc="0" strike="noStrike" sz="1800" u="none" kumimoji="0" normalizeH="0">
+          <a:defRPr kumimoji="0" sz="1800" b="0" i="0" u="none" strike="noStrike" cap="none" spc="0" normalizeH="0" baseline="0">
             <a:ln>
               <a:noFill/>
             </a:ln>
@@ -6706,7 +6635,7 @@
           <a:buFontTx/>
           <a:buNone/>
           <a:tabLst/>
-          <a:defRPr b="0" baseline="0" cap="none" i="0" spc="0" strike="noStrike" sz="1800" u="none" kumimoji="0" normalizeH="0">
+          <a:defRPr kumimoji="0" sz="1800" b="0" i="0" u="none" strike="noStrike" cap="none" spc="0" normalizeH="0" baseline="0">
             <a:ln>
               <a:noFill/>
             </a:ln>
@@ -6732,7 +6661,7 @@
           <a:buFontTx/>
           <a:buNone/>
           <a:tabLst/>
-          <a:defRPr b="0" baseline="0" cap="none" i="0" spc="0" strike="noStrike" sz="1800" u="none" kumimoji="0" normalizeH="0">
+          <a:defRPr kumimoji="0" sz="1800" b="0" i="0" u="none" strike="noStrike" cap="none" spc="0" normalizeH="0" baseline="0">
             <a:ln>
               <a:noFill/>
             </a:ln>
@@ -6758,7 +6687,7 @@
           <a:buFontTx/>
           <a:buNone/>
           <a:tabLst/>
-          <a:defRPr b="0" baseline="0" cap="none" i="0" spc="0" strike="noStrike" sz="1800" u="none" kumimoji="0" normalizeH="0">
+          <a:defRPr kumimoji="0" sz="1800" b="0" i="0" u="none" strike="noStrike" cap="none" spc="0" normalizeH="0" baseline="0">
             <a:ln>
               <a:noFill/>
             </a:ln>
@@ -6784,7 +6713,7 @@
           <a:buFontTx/>
           <a:buNone/>
           <a:tabLst/>
-          <a:defRPr b="0" baseline="0" cap="none" i="0" spc="0" strike="noStrike" sz="1800" u="none" kumimoji="0" normalizeH="0">
+          <a:defRPr kumimoji="0" sz="1800" b="0" i="0" u="none" strike="noStrike" cap="none" spc="0" normalizeH="0" baseline="0">
             <a:ln>
               <a:noFill/>
             </a:ln>
@@ -6810,7 +6739,7 @@
           <a:buFontTx/>
           <a:buNone/>
           <a:tabLst/>
-          <a:defRPr b="0" baseline="0" cap="none" i="0" spc="0" strike="noStrike" sz="1800" u="none" kumimoji="0" normalizeH="0">
+          <a:defRPr kumimoji="0" sz="1800" b="0" i="0" u="none" strike="noStrike" cap="none" spc="0" normalizeH="0" baseline="0">
             <a:ln>
               <a:noFill/>
             </a:ln>
@@ -6836,7 +6765,7 @@
           <a:buFontTx/>
           <a:buNone/>
           <a:tabLst/>
-          <a:defRPr b="0" baseline="0" cap="none" i="0" spc="0" strike="noStrike" sz="1800" u="none" kumimoji="0" normalizeH="0">
+          <a:defRPr kumimoji="0" sz="1800" b="0" i="0" u="none" strike="noStrike" cap="none" spc="0" normalizeH="0" baseline="0">
             <a:ln>
               <a:noFill/>
             </a:ln>
@@ -6862,7 +6791,7 @@
           <a:buFontTx/>
           <a:buNone/>
           <a:tabLst/>
-          <a:defRPr b="0" baseline="0" cap="none" i="0" spc="0" strike="noStrike" sz="1800" u="none" kumimoji="0" normalizeH="0">
+          <a:defRPr kumimoji="0" sz="1800" b="0" i="0" u="none" strike="noStrike" cap="none" spc="0" normalizeH="0" baseline="0">
             <a:ln>
               <a:noFill/>
             </a:ln>
@@ -6888,7 +6817,7 @@
           <a:buFontTx/>
           <a:buNone/>
           <a:tabLst/>
-          <a:defRPr b="0" baseline="0" cap="none" i="0" spc="0" strike="noStrike" sz="1800" u="none" kumimoji="0" normalizeH="0">
+          <a:defRPr kumimoji="0" sz="1800" b="0" i="0" u="none" strike="noStrike" cap="none" spc="0" normalizeH="0" baseline="0">
             <a:ln>
               <a:noFill/>
             </a:ln>
@@ -6901,9 +6830,15 @@
         </a:lvl9pPr>
       </a:lstStyle>
       <a:style>
-        <a:lnRef idx="0"/>
-        <a:fillRef idx="0"/>
-        <a:effectRef idx="0"/>
+        <a:lnRef idx="0">
+          <a:scrgbClr r="0" g="0" b="0"/>
+        </a:lnRef>
+        <a:fillRef idx="0">
+          <a:scrgbClr r="0" g="0" b="0"/>
+        </a:fillRef>
+        <a:effectRef idx="0">
+          <a:scrgbClr r="0" g="0" b="0"/>
+        </a:effectRef>
         <a:fontRef idx="none"/>
       </a:style>
     </a:spDef>
@@ -6918,7 +6853,7 @@
           <a:round/>
         </a:ln>
         <a:effectLst>
-          <a:outerShdw sx="100000" sy="100000" kx="0" ky="0" algn="b" rotWithShape="0" blurRad="38100" dist="20000" dir="5400000">
+          <a:outerShdw blurRad="38100" dist="20000" dir="5400000" rotWithShape="0">
             <a:srgbClr val="000000">
               <a:alpha val="38000"/>
             </a:srgbClr>
@@ -6926,7 +6861,7 @@
         </a:effectLst>
         <a:sp3d/>
       </a:spPr>
-      <a:bodyPr rot="0" spcFirstLastPara="1" vertOverflow="overflow" horzOverflow="overflow" vert="horz" wrap="square" lIns="91439" tIns="45719" rIns="91439" bIns="45719" numCol="1" spcCol="38100" rtlCol="0" anchor="t" upright="0">
+      <a:bodyPr rot="0" spcFirstLastPara="1" vertOverflow="overflow" horzOverflow="overflow" vert="horz" wrap="square" lIns="91439" tIns="45719" rIns="91439" bIns="45719" numCol="1" spcCol="38100" rtlCol="0" anchor="t">
         <a:noAutofit/>
       </a:bodyPr>
       <a:lstStyle>
@@ -6945,7 +6880,7 @@
           <a:buFontTx/>
           <a:buNone/>
           <a:tabLst/>
-          <a:defRPr b="0" baseline="0" cap="none" i="0" spc="0" strike="noStrike" sz="1800" u="none" kumimoji="0" normalizeH="0">
+          <a:defRPr kumimoji="0" sz="1800" b="0" i="0" u="none" strike="noStrike" cap="none" spc="0" normalizeH="0" baseline="0">
             <a:ln>
               <a:noFill/>
             </a:ln>
@@ -6971,7 +6906,7 @@
           <a:buFontTx/>
           <a:buNone/>
           <a:tabLst/>
-          <a:defRPr b="0" baseline="0" cap="none" i="0" spc="0" strike="noStrike" sz="1800" u="none" kumimoji="0" normalizeH="0">
+          <a:defRPr kumimoji="0" sz="1800" b="0" i="0" u="none" strike="noStrike" cap="none" spc="0" normalizeH="0" baseline="0">
             <a:ln>
               <a:noFill/>
             </a:ln>
@@ -6997,7 +6932,7 @@
           <a:buFontTx/>
           <a:buNone/>
           <a:tabLst/>
-          <a:defRPr b="0" baseline="0" cap="none" i="0" spc="0" strike="noStrike" sz="1800" u="none" kumimoji="0" normalizeH="0">
+          <a:defRPr kumimoji="0" sz="1800" b="0" i="0" u="none" strike="noStrike" cap="none" spc="0" normalizeH="0" baseline="0">
             <a:ln>
               <a:noFill/>
             </a:ln>
@@ -7023,7 +6958,7 @@
           <a:buFontTx/>
           <a:buNone/>
           <a:tabLst/>
-          <a:defRPr b="0" baseline="0" cap="none" i="0" spc="0" strike="noStrike" sz="1800" u="none" kumimoji="0" normalizeH="0">
+          <a:defRPr kumimoji="0" sz="1800" b="0" i="0" u="none" strike="noStrike" cap="none" spc="0" normalizeH="0" baseline="0">
             <a:ln>
               <a:noFill/>
             </a:ln>
@@ -7049,7 +6984,7 @@
           <a:buFontTx/>
           <a:buNone/>
           <a:tabLst/>
-          <a:defRPr b="0" baseline="0" cap="none" i="0" spc="0" strike="noStrike" sz="1800" u="none" kumimoji="0" normalizeH="0">
+          <a:defRPr kumimoji="0" sz="1800" b="0" i="0" u="none" strike="noStrike" cap="none" spc="0" normalizeH="0" baseline="0">
             <a:ln>
               <a:noFill/>
             </a:ln>
@@ -7075,7 +7010,7 @@
           <a:buFontTx/>
           <a:buNone/>
           <a:tabLst/>
-          <a:defRPr b="0" baseline="0" cap="none" i="0" spc="0" strike="noStrike" sz="1800" u="none" kumimoji="0" normalizeH="0">
+          <a:defRPr kumimoji="0" sz="1800" b="0" i="0" u="none" strike="noStrike" cap="none" spc="0" normalizeH="0" baseline="0">
             <a:ln>
               <a:noFill/>
             </a:ln>
@@ -7101,7 +7036,7 @@
           <a:buFontTx/>
           <a:buNone/>
           <a:tabLst/>
-          <a:defRPr b="0" baseline="0" cap="none" i="0" spc="0" strike="noStrike" sz="1800" u="none" kumimoji="0" normalizeH="0">
+          <a:defRPr kumimoji="0" sz="1800" b="0" i="0" u="none" strike="noStrike" cap="none" spc="0" normalizeH="0" baseline="0">
             <a:ln>
               <a:noFill/>
             </a:ln>
@@ -7127,7 +7062,7 @@
           <a:buFontTx/>
           <a:buNone/>
           <a:tabLst/>
-          <a:defRPr b="0" baseline="0" cap="none" i="0" spc="0" strike="noStrike" sz="1800" u="none" kumimoji="0" normalizeH="0">
+          <a:defRPr kumimoji="0" sz="1800" b="0" i="0" u="none" strike="noStrike" cap="none" spc="0" normalizeH="0" baseline="0">
             <a:ln>
               <a:noFill/>
             </a:ln>
@@ -7153,7 +7088,7 @@
           <a:buFontTx/>
           <a:buNone/>
           <a:tabLst/>
-          <a:defRPr b="0" baseline="0" cap="none" i="0" spc="0" strike="noStrike" sz="1800" u="none" kumimoji="0" normalizeH="0">
+          <a:defRPr kumimoji="0" sz="1800" b="0" i="0" u="none" strike="noStrike" cap="none" spc="0" normalizeH="0" baseline="0">
             <a:ln>
               <a:noFill/>
             </a:ln>
@@ -7179,7 +7114,7 @@
           <a:buFontTx/>
           <a:buNone/>
           <a:tabLst/>
-          <a:defRPr b="0" baseline="0" cap="none" i="0" spc="0" strike="noStrike" sz="1800" u="none" kumimoji="0" normalizeH="0">
+          <a:defRPr kumimoji="0" sz="1800" b="0" i="0" u="none" strike="noStrike" cap="none" spc="0" normalizeH="0" baseline="0">
             <a:ln>
               <a:noFill/>
             </a:ln>
@@ -7192,9 +7127,15 @@
         </a:lvl9pPr>
       </a:lstStyle>
       <a:style>
-        <a:lnRef idx="0"/>
-        <a:fillRef idx="0"/>
-        <a:effectRef idx="0"/>
+        <a:lnRef idx="0">
+          <a:scrgbClr r="0" g="0" b="0"/>
+        </a:lnRef>
+        <a:fillRef idx="0">
+          <a:scrgbClr r="0" g="0" b="0"/>
+        </a:fillRef>
+        <a:effectRef idx="0">
+          <a:scrgbClr r="0" g="0" b="0"/>
+        </a:effectRef>
         <a:fontRef idx="none"/>
       </a:style>
     </a:lnDef>
@@ -7208,7 +7149,7 @@
         <a:effectLst/>
         <a:sp3d/>
       </a:spPr>
-      <a:bodyPr rot="0" spcFirstLastPara="1" vertOverflow="overflow" horzOverflow="overflow" vert="horz" wrap="square" lIns="45719" tIns="45719" rIns="45719" bIns="45719" numCol="1" spcCol="38100" rtlCol="0" anchor="t" upright="0">
+      <a:bodyPr rot="0" spcFirstLastPara="1" vertOverflow="overflow" horzOverflow="overflow" vert="horz" wrap="square" lIns="45719" tIns="45719" rIns="45719" bIns="45719" numCol="1" spcCol="38100" rtlCol="0" anchor="t">
         <a:spAutoFit/>
       </a:bodyPr>
       <a:lstStyle>
@@ -7227,7 +7168,7 @@
           <a:buFontTx/>
           <a:buNone/>
           <a:tabLst/>
-          <a:defRPr b="0" baseline="0" cap="none" i="0" spc="0" strike="noStrike" sz="1400" u="none" kumimoji="0" normalizeH="0">
+          <a:defRPr kumimoji="0" sz="1400" b="0" i="0" u="none" strike="noStrike" cap="none" spc="0" normalizeH="0" baseline="0">
             <a:ln>
               <a:noFill/>
             </a:ln>
@@ -7257,7 +7198,7 @@
           <a:buFontTx/>
           <a:buNone/>
           <a:tabLst/>
-          <a:defRPr b="0" baseline="0" cap="none" i="0" spc="0" strike="noStrike" sz="1800" u="none" kumimoji="0" normalizeH="0">
+          <a:defRPr kumimoji="0" sz="1800" b="0" i="0" u="none" strike="noStrike" cap="none" spc="0" normalizeH="0" baseline="0">
             <a:ln>
               <a:noFill/>
             </a:ln>
@@ -7283,7 +7224,7 @@
           <a:buFontTx/>
           <a:buNone/>
           <a:tabLst/>
-          <a:defRPr b="0" baseline="0" cap="none" i="0" spc="0" strike="noStrike" sz="1800" u="none" kumimoji="0" normalizeH="0">
+          <a:defRPr kumimoji="0" sz="1800" b="0" i="0" u="none" strike="noStrike" cap="none" spc="0" normalizeH="0" baseline="0">
             <a:ln>
               <a:noFill/>
             </a:ln>
@@ -7309,7 +7250,7 @@
           <a:buFontTx/>
           <a:buNone/>
           <a:tabLst/>
-          <a:defRPr b="0" baseline="0" cap="none" i="0" spc="0" strike="noStrike" sz="1800" u="none" kumimoji="0" normalizeH="0">
+          <a:defRPr kumimoji="0" sz="1800" b="0" i="0" u="none" strike="noStrike" cap="none" spc="0" normalizeH="0" baseline="0">
             <a:ln>
               <a:noFill/>
             </a:ln>
@@ -7335,7 +7276,7 @@
           <a:buFontTx/>
           <a:buNone/>
           <a:tabLst/>
-          <a:defRPr b="0" baseline="0" cap="none" i="0" spc="0" strike="noStrike" sz="1800" u="none" kumimoji="0" normalizeH="0">
+          <a:defRPr kumimoji="0" sz="1800" b="0" i="0" u="none" strike="noStrike" cap="none" spc="0" normalizeH="0" baseline="0">
             <a:ln>
               <a:noFill/>
             </a:ln>
@@ -7361,7 +7302,7 @@
           <a:buFontTx/>
           <a:buNone/>
           <a:tabLst/>
-          <a:defRPr b="0" baseline="0" cap="none" i="0" spc="0" strike="noStrike" sz="1800" u="none" kumimoji="0" normalizeH="0">
+          <a:defRPr kumimoji="0" sz="1800" b="0" i="0" u="none" strike="noStrike" cap="none" spc="0" normalizeH="0" baseline="0">
             <a:ln>
               <a:noFill/>
             </a:ln>
@@ -7387,7 +7328,7 @@
           <a:buFontTx/>
           <a:buNone/>
           <a:tabLst/>
-          <a:defRPr b="0" baseline="0" cap="none" i="0" spc="0" strike="noStrike" sz="1800" u="none" kumimoji="0" normalizeH="0">
+          <a:defRPr kumimoji="0" sz="1800" b="0" i="0" u="none" strike="noStrike" cap="none" spc="0" normalizeH="0" baseline="0">
             <a:ln>
               <a:noFill/>
             </a:ln>
@@ -7413,7 +7354,7 @@
           <a:buFontTx/>
           <a:buNone/>
           <a:tabLst/>
-          <a:defRPr b="0" baseline="0" cap="none" i="0" spc="0" strike="noStrike" sz="1800" u="none" kumimoji="0" normalizeH="0">
+          <a:defRPr kumimoji="0" sz="1800" b="0" i="0" u="none" strike="noStrike" cap="none" spc="0" normalizeH="0" baseline="0">
             <a:ln>
               <a:noFill/>
             </a:ln>
@@ -7439,7 +7380,7 @@
           <a:buFontTx/>
           <a:buNone/>
           <a:tabLst/>
-          <a:defRPr b="0" baseline="0" cap="none" i="0" spc="0" strike="noStrike" sz="1800" u="none" kumimoji="0" normalizeH="0">
+          <a:defRPr kumimoji="0" sz="1800" b="0" i="0" u="none" strike="noStrike" cap="none" spc="0" normalizeH="0" baseline="0">
             <a:ln>
               <a:noFill/>
             </a:ln>
@@ -7465,7 +7406,7 @@
           <a:buFontTx/>
           <a:buNone/>
           <a:tabLst/>
-          <a:defRPr b="0" baseline="0" cap="none" i="0" spc="0" strike="noStrike" sz="1800" u="none" kumimoji="0" normalizeH="0">
+          <a:defRPr kumimoji="0" sz="1800" b="0" i="0" u="none" strike="noStrike" cap="none" spc="0" normalizeH="0" baseline="0">
             <a:ln>
               <a:noFill/>
             </a:ln>
@@ -7478,12 +7419,19 @@
         </a:lvl9pPr>
       </a:lstStyle>
       <a:style>
-        <a:lnRef idx="0"/>
-        <a:fillRef idx="0"/>
-        <a:effectRef idx="0"/>
+        <a:lnRef idx="0">
+          <a:scrgbClr r="0" g="0" b="0"/>
+        </a:lnRef>
+        <a:fillRef idx="0">
+          <a:scrgbClr r="0" g="0" b="0"/>
+        </a:fillRef>
+        <a:effectRef idx="0">
+          <a:scrgbClr r="0" g="0" b="0"/>
+        </a:effectRef>
         <a:fontRef idx="none"/>
       </a:style>
     </a:txDef>
   </a:objectDefaults>
+  <a:extraClrSchemeLst/>
 </a:theme>
 </file>